--- a/slides/TP557_3_Desafios_do_TinyML_machine_learning.pptx
+++ b/slides/TP557_3_Desafios_do_TinyML_machine_learning.pptx
@@ -5,10 +5,10 @@
     <p:sldMasterId id="2147483648" r:id="rId1"/>
   </p:sldMasterIdLst>
   <p:notesMasterIdLst>
-    <p:notesMasterId r:id="rId21"/>
+    <p:notesMasterId r:id="rId28"/>
   </p:notesMasterIdLst>
   <p:handoutMasterIdLst>
-    <p:handoutMasterId r:id="rId22"/>
+    <p:handoutMasterId r:id="rId29"/>
   </p:handoutMasterIdLst>
   <p:sldIdLst>
     <p:sldId id="418" r:id="rId2"/>
@@ -22,14 +22,21 @@
     <p:sldId id="453" r:id="rId10"/>
     <p:sldId id="455" r:id="rId11"/>
     <p:sldId id="448" r:id="rId12"/>
-    <p:sldId id="449" r:id="rId13"/>
-    <p:sldId id="456" r:id="rId14"/>
-    <p:sldId id="447" r:id="rId15"/>
-    <p:sldId id="405" r:id="rId16"/>
-    <p:sldId id="293" r:id="rId17"/>
-    <p:sldId id="306" r:id="rId18"/>
-    <p:sldId id="416" r:id="rId19"/>
-    <p:sldId id="281" r:id="rId20"/>
+    <p:sldId id="457" r:id="rId13"/>
+    <p:sldId id="458" r:id="rId14"/>
+    <p:sldId id="459" r:id="rId15"/>
+    <p:sldId id="460" r:id="rId16"/>
+    <p:sldId id="461" r:id="rId17"/>
+    <p:sldId id="464" r:id="rId18"/>
+    <p:sldId id="463" r:id="rId19"/>
+    <p:sldId id="465" r:id="rId20"/>
+    <p:sldId id="456" r:id="rId21"/>
+    <p:sldId id="447" r:id="rId22"/>
+    <p:sldId id="405" r:id="rId23"/>
+    <p:sldId id="293" r:id="rId24"/>
+    <p:sldId id="306" r:id="rId25"/>
+    <p:sldId id="416" r:id="rId26"/>
+    <p:sldId id="281" r:id="rId27"/>
   </p:sldIdLst>
   <p:sldSz cx="12192000" cy="6858000"/>
   <p:notesSz cx="7315200" cy="9601200"/>
@@ -809,6 +816,274 @@
 </p:notes>
 </file>
 
+<file path=ppt/notesSlides/notesSlide10.xml><?xml version="1.0" encoding="utf-8"?>
+<p:notes xmlns:a="http://schemas.openxmlformats.org/drawingml/2006/main" xmlns:r="http://schemas.openxmlformats.org/officeDocument/2006/relationships" xmlns:p="http://schemas.openxmlformats.org/presentationml/2006/main">
+  <p:cSld>
+    <p:spTree>
+      <p:nvGrpSpPr>
+        <p:cNvPr id="1" name=""/>
+        <p:cNvGrpSpPr/>
+        <p:nvPr/>
+      </p:nvGrpSpPr>
+      <p:grpSpPr>
+        <a:xfrm>
+          <a:off x="0" y="0"/>
+          <a:ext cx="0" cy="0"/>
+          <a:chOff x="0" y="0"/>
+          <a:chExt cx="0" cy="0"/>
+        </a:xfrm>
+      </p:grpSpPr>
+      <p:sp>
+        <p:nvSpPr>
+          <p:cNvPr id="2" name="Espaço Reservado para Imagem de Slide 1"/>
+          <p:cNvSpPr>
+            <a:spLocks noGrp="1" noRot="1" noChangeAspect="1"/>
+          </p:cNvSpPr>
+          <p:nvPr>
+            <p:ph type="sldImg"/>
+          </p:nvPr>
+        </p:nvSpPr>
+        <p:spPr/>
+      </p:sp>
+      <p:sp>
+        <p:nvSpPr>
+          <p:cNvPr id="3" name="Espaço Reservado para Anotações 2"/>
+          <p:cNvSpPr>
+            <a:spLocks noGrp="1"/>
+          </p:cNvSpPr>
+          <p:nvPr>
+            <p:ph type="body" idx="1"/>
+          </p:nvPr>
+        </p:nvSpPr>
+        <p:spPr/>
+        <p:txBody>
+          <a:bodyPr/>
+          <a:lstStyle/>
+          <a:p>
+            <a:r>
+              <a:rPr lang="pt-BR" b="0" i="0" dirty="0">
+                <a:solidFill>
+                  <a:srgbClr val="374151"/>
+                </a:solidFill>
+                <a:effectLst/>
+                <a:latin typeface="Söhne"/>
+              </a:rPr>
+              <a:t>Redes Adversárias Generativas (</a:t>
+            </a:r>
+            <a:r>
+              <a:rPr lang="pt-BR" b="0" i="0" dirty="0" err="1">
+                <a:solidFill>
+                  <a:srgbClr val="374151"/>
+                </a:solidFill>
+                <a:effectLst/>
+                <a:latin typeface="Söhne"/>
+              </a:rPr>
+              <a:t>Generative</a:t>
+            </a:r>
+            <a:r>
+              <a:rPr lang="pt-BR" b="0" i="0" dirty="0">
+                <a:solidFill>
+                  <a:srgbClr val="374151"/>
+                </a:solidFill>
+                <a:effectLst/>
+                <a:latin typeface="Söhne"/>
+              </a:rPr>
+              <a:t> Adversarial Networks - </a:t>
+            </a:r>
+            <a:r>
+              <a:rPr lang="pt-BR" b="0" i="0" dirty="0" err="1">
+                <a:solidFill>
+                  <a:srgbClr val="374151"/>
+                </a:solidFill>
+                <a:effectLst/>
+                <a:latin typeface="Söhne"/>
+              </a:rPr>
+              <a:t>GANs</a:t>
+            </a:r>
+            <a:r>
+              <a:rPr lang="pt-BR" b="0" i="0" dirty="0">
+                <a:solidFill>
+                  <a:srgbClr val="374151"/>
+                </a:solidFill>
+                <a:effectLst/>
+                <a:latin typeface="Söhne"/>
+              </a:rPr>
+              <a:t>) são um tipo especial de arquitetura de rede neural que consiste em duas redes em competição: o gerador e o discriminador. O gerador cria dados sintéticos que se assemelham aos dados reais, enquanto o discriminador tenta distinguir entre os dados reais e os dados gerados pelo gerador. Essa competição leva a um aprimoramento mútuo, onde o gerador aprende a produzir dados mais realistas, enquanto o discriminador se torna mais habilidoso em distinguir os dados reais dos sintéticos. </a:t>
+            </a:r>
+            <a:r>
+              <a:rPr lang="pt-BR" b="0" i="0" dirty="0" err="1">
+                <a:solidFill>
+                  <a:srgbClr val="374151"/>
+                </a:solidFill>
+                <a:effectLst/>
+                <a:latin typeface="Söhne"/>
+              </a:rPr>
+              <a:t>GANs</a:t>
+            </a:r>
+            <a:r>
+              <a:rPr lang="pt-BR" b="0" i="0" dirty="0">
+                <a:solidFill>
+                  <a:srgbClr val="374151"/>
+                </a:solidFill>
+                <a:effectLst/>
+                <a:latin typeface="Söhne"/>
+              </a:rPr>
+              <a:t> são amplamente usadas em geração de imagens, vídeos e sons realistas, bem como em outras tarefas de geração de dados.</a:t>
+            </a:r>
+            <a:endParaRPr lang="pt-BR" dirty="0"/>
+          </a:p>
+        </p:txBody>
+      </p:sp>
+      <p:sp>
+        <p:nvSpPr>
+          <p:cNvPr id="4" name="Espaço Reservado para Número de Slide 3"/>
+          <p:cNvSpPr>
+            <a:spLocks noGrp="1"/>
+          </p:cNvSpPr>
+          <p:nvPr>
+            <p:ph type="sldNum" sz="quarter" idx="5"/>
+          </p:nvPr>
+        </p:nvSpPr>
+        <p:spPr/>
+        <p:txBody>
+          <a:bodyPr/>
+          <a:lstStyle/>
+          <a:p>
+            <a:fld id="{6FC8D850-966F-45A6-8DE7-15B891E7D40D}" type="slidenum">
+              <a:rPr lang="pt-BR" smtClean="0"/>
+              <a:t>18</a:t>
+            </a:fld>
+            <a:endParaRPr lang="pt-BR"/>
+          </a:p>
+        </p:txBody>
+      </p:sp>
+    </p:spTree>
+    <p:extLst>
+      <p:ext uri="{BB962C8B-B14F-4D97-AF65-F5344CB8AC3E}">
+        <p14:creationId xmlns:p14="http://schemas.microsoft.com/office/powerpoint/2010/main" val="2138094216"/>
+      </p:ext>
+    </p:extLst>
+  </p:cSld>
+  <p:clrMapOvr>
+    <a:masterClrMapping/>
+  </p:clrMapOvr>
+</p:notes>
+</file>
+
+<file path=ppt/notesSlides/notesSlide11.xml><?xml version="1.0" encoding="utf-8"?>
+<p:notes xmlns:a="http://schemas.openxmlformats.org/drawingml/2006/main" xmlns:r="http://schemas.openxmlformats.org/officeDocument/2006/relationships" xmlns:p="http://schemas.openxmlformats.org/presentationml/2006/main">
+  <p:cSld>
+    <p:spTree>
+      <p:nvGrpSpPr>
+        <p:cNvPr id="1" name=""/>
+        <p:cNvGrpSpPr/>
+        <p:nvPr/>
+      </p:nvGrpSpPr>
+      <p:grpSpPr>
+        <a:xfrm>
+          <a:off x="0" y="0"/>
+          <a:ext cx="0" cy="0"/>
+          <a:chOff x="0" y="0"/>
+          <a:chExt cx="0" cy="0"/>
+        </a:xfrm>
+      </p:grpSpPr>
+      <p:sp>
+        <p:nvSpPr>
+          <p:cNvPr id="2" name="Espaço Reservado para Imagem de Slide 1"/>
+          <p:cNvSpPr>
+            <a:spLocks noGrp="1" noRot="1" noChangeAspect="1"/>
+          </p:cNvSpPr>
+          <p:nvPr>
+            <p:ph type="sldImg"/>
+          </p:nvPr>
+        </p:nvSpPr>
+        <p:spPr/>
+      </p:sp>
+      <p:sp>
+        <p:nvSpPr>
+          <p:cNvPr id="3" name="Espaço Reservado para Anotações 2"/>
+          <p:cNvSpPr>
+            <a:spLocks noGrp="1"/>
+          </p:cNvSpPr>
+          <p:nvPr>
+            <p:ph type="body" idx="1"/>
+          </p:nvPr>
+        </p:nvSpPr>
+        <p:spPr/>
+        <p:txBody>
+          <a:bodyPr/>
+          <a:lstStyle/>
+          <a:p>
+            <a:r>
+              <a:rPr lang="pt-BR" b="0" i="0" dirty="0">
+                <a:solidFill>
+                  <a:srgbClr val="374151"/>
+                </a:solidFill>
+                <a:effectLst/>
+                <a:latin typeface="Söhne"/>
+              </a:rPr>
+              <a:t>O Z80 é um microprocessador de 8 bits desenvolvido pela </a:t>
+            </a:r>
+            <a:r>
+              <a:rPr lang="pt-BR" b="0" i="0" dirty="0" err="1">
+                <a:solidFill>
+                  <a:srgbClr val="374151"/>
+                </a:solidFill>
+                <a:effectLst/>
+                <a:latin typeface="Söhne"/>
+              </a:rPr>
+              <a:t>Zilog</a:t>
+            </a:r>
+            <a:r>
+              <a:rPr lang="pt-BR" b="0" i="0" dirty="0">
+                <a:solidFill>
+                  <a:srgbClr val="374151"/>
+                </a:solidFill>
+                <a:effectLst/>
+                <a:latin typeface="Söhne"/>
+              </a:rPr>
+              <a:t>, lançado pela primeira vez em 1976. Ele foi amplamente utilizado em computadores pessoais, videogames, controladores industriais e outros sistemas embarcados durante a década de 1980. O Z80 foi uma evolução do processador Intel 8080 e se tornou um dos microprocessadores mais populares da época.</a:t>
+            </a:r>
+            <a:endParaRPr lang="pt-BR" dirty="0"/>
+          </a:p>
+        </p:txBody>
+      </p:sp>
+      <p:sp>
+        <p:nvSpPr>
+          <p:cNvPr id="4" name="Espaço Reservado para Número de Slide 3"/>
+          <p:cNvSpPr>
+            <a:spLocks noGrp="1"/>
+          </p:cNvSpPr>
+          <p:nvPr>
+            <p:ph type="sldNum" sz="quarter" idx="5"/>
+          </p:nvPr>
+        </p:nvSpPr>
+        <p:spPr/>
+        <p:txBody>
+          <a:bodyPr/>
+          <a:lstStyle/>
+          <a:p>
+            <a:fld id="{6FC8D850-966F-45A6-8DE7-15B891E7D40D}" type="slidenum">
+              <a:rPr lang="pt-BR" smtClean="0"/>
+              <a:t>25</a:t>
+            </a:fld>
+            <a:endParaRPr lang="pt-BR"/>
+          </a:p>
+        </p:txBody>
+      </p:sp>
+    </p:spTree>
+    <p:extLst>
+      <p:ext uri="{BB962C8B-B14F-4D97-AF65-F5344CB8AC3E}">
+        <p14:creationId xmlns:p14="http://schemas.microsoft.com/office/powerpoint/2010/main" val="2187419129"/>
+      </p:ext>
+    </p:extLst>
+  </p:cSld>
+  <p:clrMapOvr>
+    <a:masterClrMapping/>
+  </p:clrMapOvr>
+</p:notes>
+</file>
+
 <file path=ppt/notesSlides/notesSlide2.xml><?xml version="1.0" encoding="utf-8"?>
 <p:notes xmlns:a="http://schemas.openxmlformats.org/drawingml/2006/main" xmlns:r="http://schemas.openxmlformats.org/officeDocument/2006/relationships" xmlns:p="http://schemas.openxmlformats.org/presentationml/2006/main">
   <p:cSld>
@@ -1335,36 +1610,6 @@
           <a:bodyPr/>
           <a:lstStyle/>
           <a:p>
-            <a:r>
-              <a:rPr lang="pt-BR" b="0" i="0" dirty="0">
-                <a:solidFill>
-                  <a:srgbClr val="374151"/>
-                </a:solidFill>
-                <a:effectLst/>
-                <a:latin typeface="Söhne"/>
-              </a:rPr>
-              <a:t>O Z80 é um microprocessador de 8 bits desenvolvido pela </a:t>
-            </a:r>
-            <a:r>
-              <a:rPr lang="pt-BR" b="0" i="0" dirty="0" err="1">
-                <a:solidFill>
-                  <a:srgbClr val="374151"/>
-                </a:solidFill>
-                <a:effectLst/>
-                <a:latin typeface="Söhne"/>
-              </a:rPr>
-              <a:t>Zilog</a:t>
-            </a:r>
-            <a:r>
-              <a:rPr lang="pt-BR" b="0" i="0" dirty="0">
-                <a:solidFill>
-                  <a:srgbClr val="374151"/>
-                </a:solidFill>
-                <a:effectLst/>
-                <a:latin typeface="Söhne"/>
-              </a:rPr>
-              <a:t>, lançado pela primeira vez em 1976. Ele foi amplamente utilizado em computadores pessoais, videogames, controladores industriais e outros sistemas embarcados durante a década de 1980. O Z80 foi uma evolução do processador Intel 8080 e se tornou um dos microprocessadores mais populares da época.</a:t>
-            </a:r>
             <a:endParaRPr lang="pt-BR" dirty="0"/>
           </a:p>
         </p:txBody>
@@ -1386,7 +1631,7 @@
           <a:p>
             <a:fld id="{6FC8D850-966F-45A6-8DE7-15B891E7D40D}" type="slidenum">
               <a:rPr lang="pt-BR" smtClean="0"/>
-              <a:t>18</a:t>
+              <a:t>14</a:t>
             </a:fld>
             <a:endParaRPr lang="pt-BR"/>
           </a:p>
@@ -1395,7 +1640,394 @@
     </p:spTree>
     <p:extLst>
       <p:ext uri="{BB962C8B-B14F-4D97-AF65-F5344CB8AC3E}">
-        <p14:creationId xmlns:p14="http://schemas.microsoft.com/office/powerpoint/2010/main" val="2187419129"/>
+        <p14:creationId xmlns:p14="http://schemas.microsoft.com/office/powerpoint/2010/main" val="951122579"/>
+      </p:ext>
+    </p:extLst>
+  </p:cSld>
+  <p:clrMapOvr>
+    <a:masterClrMapping/>
+  </p:clrMapOvr>
+</p:notes>
+</file>
+
+<file path=ppt/notesSlides/notesSlide8.xml><?xml version="1.0" encoding="utf-8"?>
+<p:notes xmlns:a="http://schemas.openxmlformats.org/drawingml/2006/main" xmlns:r="http://schemas.openxmlformats.org/officeDocument/2006/relationships" xmlns:p="http://schemas.openxmlformats.org/presentationml/2006/main">
+  <p:cSld>
+    <p:spTree>
+      <p:nvGrpSpPr>
+        <p:cNvPr id="1" name=""/>
+        <p:cNvGrpSpPr/>
+        <p:nvPr/>
+      </p:nvGrpSpPr>
+      <p:grpSpPr>
+        <a:xfrm>
+          <a:off x="0" y="0"/>
+          <a:ext cx="0" cy="0"/>
+          <a:chOff x="0" y="0"/>
+          <a:chExt cx="0" cy="0"/>
+        </a:xfrm>
+      </p:grpSpPr>
+      <p:sp>
+        <p:nvSpPr>
+          <p:cNvPr id="2" name="Espaço Reservado para Imagem de Slide 1"/>
+          <p:cNvSpPr>
+            <a:spLocks noGrp="1" noRot="1" noChangeAspect="1"/>
+          </p:cNvSpPr>
+          <p:nvPr>
+            <p:ph type="sldImg"/>
+          </p:nvPr>
+        </p:nvSpPr>
+        <p:spPr/>
+      </p:sp>
+      <p:sp>
+        <p:nvSpPr>
+          <p:cNvPr id="3" name="Espaço Reservado para Anotações 2"/>
+          <p:cNvSpPr>
+            <a:spLocks noGrp="1"/>
+          </p:cNvSpPr>
+          <p:nvPr>
+            <p:ph type="body" idx="1"/>
+          </p:nvPr>
+        </p:nvSpPr>
+        <p:spPr/>
+        <p:txBody>
+          <a:bodyPr/>
+          <a:lstStyle/>
+          <a:p>
+            <a:r>
+              <a:rPr lang="pt-BR" b="0" i="0" dirty="0">
+                <a:solidFill>
+                  <a:srgbClr val="222222"/>
+                </a:solidFill>
+                <a:effectLst/>
+                <a:latin typeface="Arial" panose="020B0604020202020204" pitchFamily="34" charset="0"/>
+              </a:rPr>
+              <a:t>latente</a:t>
+            </a:r>
+            <a:br>
+              <a:rPr lang="pt-BR" dirty="0"/>
+            </a:br>
+            <a:r>
+              <a:rPr lang="pt-BR" b="0" i="0" dirty="0">
+                <a:solidFill>
+                  <a:srgbClr val="222222"/>
+                </a:solidFill>
+                <a:effectLst/>
+                <a:latin typeface="Arial" panose="020B0604020202020204" pitchFamily="34" charset="0"/>
+              </a:rPr>
+              <a:t>adjetivo de dois gêneros</a:t>
+            </a:r>
+            <a:br>
+              <a:rPr lang="pt-BR" dirty="0"/>
+            </a:br>
+            <a:br>
+              <a:rPr lang="pt-BR" dirty="0"/>
+            </a:br>
+            <a:r>
+              <a:rPr lang="pt-BR" b="0" i="0" dirty="0">
+                <a:solidFill>
+                  <a:srgbClr val="222222"/>
+                </a:solidFill>
+                <a:effectLst/>
+                <a:latin typeface="Arial" panose="020B0604020202020204" pitchFamily="34" charset="0"/>
+              </a:rPr>
+              <a:t>1.</a:t>
+            </a:r>
+            <a:br>
+              <a:rPr lang="pt-BR" dirty="0"/>
+            </a:br>
+            <a:r>
+              <a:rPr lang="pt-BR" b="0" i="0" dirty="0">
+                <a:solidFill>
+                  <a:srgbClr val="222222"/>
+                </a:solidFill>
+                <a:effectLst/>
+                <a:latin typeface="Arial" panose="020B0604020202020204" pitchFamily="34" charset="0"/>
+              </a:rPr>
+              <a:t>não aparente, não manifesto; oculto, encoberto.</a:t>
+            </a:r>
+            <a:br>
+              <a:rPr lang="pt-BR" dirty="0"/>
+            </a:br>
+            <a:r>
+              <a:rPr lang="pt-BR" b="0" i="0" dirty="0">
+                <a:solidFill>
+                  <a:srgbClr val="222222"/>
+                </a:solidFill>
+                <a:effectLst/>
+                <a:latin typeface="Arial" panose="020B0604020202020204" pitchFamily="34" charset="0"/>
+              </a:rPr>
+              <a:t>"perigo, conflito l."</a:t>
+            </a:r>
+            <a:br>
+              <a:rPr lang="pt-BR" dirty="0"/>
+            </a:br>
+            <a:r>
+              <a:rPr lang="pt-BR" b="0" i="0" dirty="0">
+                <a:solidFill>
+                  <a:srgbClr val="222222"/>
+                </a:solidFill>
+                <a:effectLst/>
+                <a:latin typeface="Arial" panose="020B0604020202020204" pitchFamily="34" charset="0"/>
+              </a:rPr>
+              <a:t>2.</a:t>
+            </a:r>
+            <a:br>
+              <a:rPr lang="pt-BR" dirty="0"/>
+            </a:br>
+            <a:r>
+              <a:rPr lang="pt-BR" b="0" i="0" dirty="0">
+                <a:solidFill>
+                  <a:srgbClr val="222222"/>
+                </a:solidFill>
+                <a:effectLst/>
+                <a:latin typeface="Arial" panose="020B0604020202020204" pitchFamily="34" charset="0"/>
+              </a:rPr>
+              <a:t>que existe em forma adormecida ou reprimida; encoberto, subentendido, disfarçado.</a:t>
+            </a:r>
+            <a:endParaRPr lang="pt-BR" b="0" i="0" dirty="0">
+              <a:solidFill>
+                <a:srgbClr val="374151"/>
+              </a:solidFill>
+              <a:effectLst/>
+              <a:latin typeface="Söhne"/>
+            </a:endParaRPr>
+          </a:p>
+          <a:p>
+            <a:endParaRPr lang="pt-BR" b="0" i="0" dirty="0">
+              <a:solidFill>
+                <a:srgbClr val="374151"/>
+              </a:solidFill>
+              <a:effectLst/>
+              <a:latin typeface="Söhne"/>
+            </a:endParaRPr>
+          </a:p>
+          <a:p>
+            <a:r>
+              <a:rPr lang="pt-BR" b="0" i="0" dirty="0" err="1">
+                <a:solidFill>
+                  <a:srgbClr val="374151"/>
+                </a:solidFill>
+                <a:effectLst/>
+                <a:latin typeface="Söhne"/>
+              </a:rPr>
+              <a:t>Autoencoders</a:t>
+            </a:r>
+            <a:r>
+              <a:rPr lang="pt-BR" b="0" i="0" dirty="0">
+                <a:solidFill>
+                  <a:srgbClr val="374151"/>
+                </a:solidFill>
+                <a:effectLst/>
+                <a:latin typeface="Söhne"/>
+              </a:rPr>
+              <a:t> são um tipo de rede neural que visa aprender uma representação compacta e eficiente dos dados de entrada, reduzindo a dimensionalidade do espaço de características. Eles consistem em duas partes principais: o codificador, que mapeia os dados de entrada para uma representação latente de menor dimensão, e o decodificador, que reconstrói os dados originais a partir da representação latente. O objetivo do </a:t>
+            </a:r>
+            <a:r>
+              <a:rPr lang="pt-BR" b="0" i="0" dirty="0" err="1">
+                <a:solidFill>
+                  <a:srgbClr val="374151"/>
+                </a:solidFill>
+                <a:effectLst/>
+                <a:latin typeface="Söhne"/>
+              </a:rPr>
+              <a:t>autoencoder</a:t>
+            </a:r>
+            <a:r>
+              <a:rPr lang="pt-BR" b="0" i="0" dirty="0">
+                <a:solidFill>
+                  <a:srgbClr val="374151"/>
+                </a:solidFill>
+                <a:effectLst/>
+                <a:latin typeface="Söhne"/>
+              </a:rPr>
+              <a:t> é minimizar a diferença entre os dados de entrada e a reconstrução, permitindo que a rede aprenda características relevantes e reduza o ruído dos dados. Eles são usados em tarefas de redução de dimensionalidade, remoção de ruído, compressão de dados e também para a geração de novos dados semelhantes aos originais.</a:t>
+            </a:r>
+            <a:endParaRPr lang="pt-BR" dirty="0"/>
+          </a:p>
+        </p:txBody>
+      </p:sp>
+      <p:sp>
+        <p:nvSpPr>
+          <p:cNvPr id="4" name="Espaço Reservado para Número de Slide 3"/>
+          <p:cNvSpPr>
+            <a:spLocks noGrp="1"/>
+          </p:cNvSpPr>
+          <p:nvPr>
+            <p:ph type="sldNum" sz="quarter" idx="5"/>
+          </p:nvPr>
+        </p:nvSpPr>
+        <p:spPr/>
+        <p:txBody>
+          <a:bodyPr/>
+          <a:lstStyle/>
+          <a:p>
+            <a:fld id="{6FC8D850-966F-45A6-8DE7-15B891E7D40D}" type="slidenum">
+              <a:rPr lang="pt-BR" smtClean="0"/>
+              <a:t>16</a:t>
+            </a:fld>
+            <a:endParaRPr lang="pt-BR"/>
+          </a:p>
+        </p:txBody>
+      </p:sp>
+    </p:spTree>
+    <p:extLst>
+      <p:ext uri="{BB962C8B-B14F-4D97-AF65-F5344CB8AC3E}">
+        <p14:creationId xmlns:p14="http://schemas.microsoft.com/office/powerpoint/2010/main" val="3392960163"/>
+      </p:ext>
+    </p:extLst>
+  </p:cSld>
+  <p:clrMapOvr>
+    <a:masterClrMapping/>
+  </p:clrMapOvr>
+</p:notes>
+</file>
+
+<file path=ppt/notesSlides/notesSlide9.xml><?xml version="1.0" encoding="utf-8"?>
+<p:notes xmlns:a="http://schemas.openxmlformats.org/drawingml/2006/main" xmlns:r="http://schemas.openxmlformats.org/officeDocument/2006/relationships" xmlns:p="http://schemas.openxmlformats.org/presentationml/2006/main">
+  <p:cSld>
+    <p:spTree>
+      <p:nvGrpSpPr>
+        <p:cNvPr id="1" name=""/>
+        <p:cNvGrpSpPr/>
+        <p:nvPr/>
+      </p:nvGrpSpPr>
+      <p:grpSpPr>
+        <a:xfrm>
+          <a:off x="0" y="0"/>
+          <a:ext cx="0" cy="0"/>
+          <a:chOff x="0" y="0"/>
+          <a:chExt cx="0" cy="0"/>
+        </a:xfrm>
+      </p:grpSpPr>
+      <p:sp>
+        <p:nvSpPr>
+          <p:cNvPr id="2" name="Espaço Reservado para Imagem de Slide 1"/>
+          <p:cNvSpPr>
+            <a:spLocks noGrp="1" noRot="1" noChangeAspect="1"/>
+          </p:cNvSpPr>
+          <p:nvPr>
+            <p:ph type="sldImg"/>
+          </p:nvPr>
+        </p:nvSpPr>
+        <p:spPr/>
+      </p:sp>
+      <p:sp>
+        <p:nvSpPr>
+          <p:cNvPr id="3" name="Espaço Reservado para Anotações 2"/>
+          <p:cNvSpPr>
+            <a:spLocks noGrp="1"/>
+          </p:cNvSpPr>
+          <p:nvPr>
+            <p:ph type="body" idx="1"/>
+          </p:nvPr>
+        </p:nvSpPr>
+        <p:spPr/>
+        <p:txBody>
+          <a:bodyPr/>
+          <a:lstStyle/>
+          <a:p>
+            <a:r>
+              <a:rPr lang="pt-BR" b="0" i="0" dirty="0">
+                <a:solidFill>
+                  <a:srgbClr val="374151"/>
+                </a:solidFill>
+                <a:effectLst/>
+                <a:latin typeface="Söhne"/>
+              </a:rPr>
+              <a:t>Redes Adversárias Generativas (</a:t>
+            </a:r>
+            <a:r>
+              <a:rPr lang="pt-BR" b="0" i="0" dirty="0" err="1">
+                <a:solidFill>
+                  <a:srgbClr val="374151"/>
+                </a:solidFill>
+                <a:effectLst/>
+                <a:latin typeface="Söhne"/>
+              </a:rPr>
+              <a:t>Generative</a:t>
+            </a:r>
+            <a:r>
+              <a:rPr lang="pt-BR" b="0" i="0" dirty="0">
+                <a:solidFill>
+                  <a:srgbClr val="374151"/>
+                </a:solidFill>
+                <a:effectLst/>
+                <a:latin typeface="Söhne"/>
+              </a:rPr>
+              <a:t> Adversarial Networks - </a:t>
+            </a:r>
+            <a:r>
+              <a:rPr lang="pt-BR" b="0" i="0" dirty="0" err="1">
+                <a:solidFill>
+                  <a:srgbClr val="374151"/>
+                </a:solidFill>
+                <a:effectLst/>
+                <a:latin typeface="Söhne"/>
+              </a:rPr>
+              <a:t>GANs</a:t>
+            </a:r>
+            <a:r>
+              <a:rPr lang="pt-BR" b="0" i="0" dirty="0">
+                <a:solidFill>
+                  <a:srgbClr val="374151"/>
+                </a:solidFill>
+                <a:effectLst/>
+                <a:latin typeface="Söhne"/>
+              </a:rPr>
+              <a:t>) são um tipo especial de arquitetura de rede neural que consiste em duas redes em competição: o gerador e o discriminador. O gerador cria dados sintéticos que se assemelham aos dados reais, enquanto o discriminador tenta distinguir entre os dados reais e os dados gerados pelo gerador. Essa competição leva a um aprimoramento mútuo, onde o gerador aprende a produzir dados mais realistas, enquanto o discriminador se torna mais habilidoso em distinguir os dados reais dos sintéticos. </a:t>
+            </a:r>
+            <a:r>
+              <a:rPr lang="pt-BR" b="0" i="0" dirty="0" err="1">
+                <a:solidFill>
+                  <a:srgbClr val="374151"/>
+                </a:solidFill>
+                <a:effectLst/>
+                <a:latin typeface="Söhne"/>
+              </a:rPr>
+              <a:t>GANs</a:t>
+            </a:r>
+            <a:r>
+              <a:rPr lang="pt-BR" b="0" i="0" dirty="0">
+                <a:solidFill>
+                  <a:srgbClr val="374151"/>
+                </a:solidFill>
+                <a:effectLst/>
+                <a:latin typeface="Söhne"/>
+              </a:rPr>
+              <a:t> são amplamente usadas em geração de imagens, vídeos e sons realistas, bem como em outras tarefas de geração de dados.</a:t>
+            </a:r>
+            <a:endParaRPr lang="pt-BR" dirty="0"/>
+          </a:p>
+        </p:txBody>
+      </p:sp>
+      <p:sp>
+        <p:nvSpPr>
+          <p:cNvPr id="4" name="Espaço Reservado para Número de Slide 3"/>
+          <p:cNvSpPr>
+            <a:spLocks noGrp="1"/>
+          </p:cNvSpPr>
+          <p:nvPr>
+            <p:ph type="sldNum" sz="quarter" idx="5"/>
+          </p:nvPr>
+        </p:nvSpPr>
+        <p:spPr/>
+        <p:txBody>
+          <a:bodyPr/>
+          <a:lstStyle/>
+          <a:p>
+            <a:fld id="{6FC8D850-966F-45A6-8DE7-15B891E7D40D}" type="slidenum">
+              <a:rPr lang="pt-BR" smtClean="0"/>
+              <a:t>17</a:t>
+            </a:fld>
+            <a:endParaRPr lang="pt-BR"/>
+          </a:p>
+        </p:txBody>
+      </p:sp>
+    </p:spTree>
+    <p:extLst>
+      <p:ext uri="{BB962C8B-B14F-4D97-AF65-F5344CB8AC3E}">
+        <p14:creationId xmlns:p14="http://schemas.microsoft.com/office/powerpoint/2010/main" val="157433964"/>
       </p:ext>
     </p:extLst>
   </p:cSld>
@@ -4915,8 +5547,8 @@
           </a:p>
         </p:txBody>
       </p:sp>
-      <mc:AlternateContent xmlns:mc="http://schemas.openxmlformats.org/markup-compatibility/2006">
-        <mc:Choice xmlns:a14="http://schemas.microsoft.com/office/drawing/2010/main" Requires="a14">
+      <mc:AlternateContent xmlns:mc="http://schemas.openxmlformats.org/markup-compatibility/2006" xmlns:a14="http://schemas.microsoft.com/office/drawing/2010/main">
+        <mc:Choice Requires="a14">
           <p:sp>
             <p:nvSpPr>
               <p:cNvPr id="3" name="Espaço Reservado para Conteúdo 2">
@@ -4987,6 +5619,7 @@
                         <a:solidFill>
                           <a:schemeClr val="tx1"/>
                         </a:solidFill>
+                        <a:latin typeface="Cambria Math" panose="02040503050406030204" pitchFamily="18" charset="0"/>
                       </a:rPr>
                       <m:t>𝑏</m:t>
                     </m:r>
@@ -5124,7 +5757,7 @@
             </p:txBody>
           </p:sp>
         </mc:Choice>
-        <mc:Fallback>
+        <mc:Fallback xmlns="">
           <p:sp>
             <p:nvSpPr>
               <p:cNvPr id="3" name="Espaço Reservado para Conteúdo 2">
@@ -5687,6 +6320,2168 @@
             <p:ph type="title"/>
           </p:nvPr>
         </p:nvSpPr>
+        <p:spPr>
+          <a:xfrm>
+            <a:off x="833861" y="98422"/>
+            <a:ext cx="10515600" cy="1325563"/>
+          </a:xfrm>
+        </p:spPr>
+        <p:txBody>
+          <a:bodyPr/>
+          <a:lstStyle/>
+          <a:p>
+            <a:r>
+              <a:rPr lang="pt-BR" dirty="0"/>
+              <a:t>Topologias de redes neurais artificiais</a:t>
+            </a:r>
+          </a:p>
+        </p:txBody>
+      </p:sp>
+      <p:pic>
+        <p:nvPicPr>
+          <p:cNvPr id="2050" name="Picture 2">
+            <a:extLst>
+              <a:ext uri="{FF2B5EF4-FFF2-40B4-BE49-F238E27FC236}">
+                <a16:creationId xmlns:a16="http://schemas.microsoft.com/office/drawing/2014/main" id="{5D2E43D7-AEA5-F110-4A94-2ABF9F94D089}"/>
+              </a:ext>
+            </a:extLst>
+          </p:cNvPr>
+          <p:cNvPicPr>
+            <a:picLocks noChangeAspect="1" noChangeArrowheads="1"/>
+          </p:cNvPicPr>
+          <p:nvPr/>
+        </p:nvPicPr>
+        <p:blipFill rotWithShape="1">
+          <a:blip r:embed="rId2">
+            <a:extLst>
+              <a:ext uri="{28A0092B-C50C-407E-A947-70E740481C1C}">
+                <a14:useLocalDpi xmlns:a14="http://schemas.microsoft.com/office/drawing/2010/main" val="0"/>
+              </a:ext>
+            </a:extLst>
+          </a:blip>
+          <a:srcRect l="2273" t="1470" r="1666" b="52098"/>
+          <a:stretch/>
+        </p:blipFill>
+        <p:spPr bwMode="auto">
+          <a:xfrm>
+            <a:off x="57150" y="1797053"/>
+            <a:ext cx="6038850" cy="4962525"/>
+          </a:xfrm>
+          <a:prstGeom prst="rect">
+            <a:avLst/>
+          </a:prstGeom>
+          <a:noFill/>
+          <a:extLst>
+            <a:ext uri="{909E8E84-426E-40DD-AFC4-6F175D3DCCD1}">
+              <a14:hiddenFill xmlns:a14="http://schemas.microsoft.com/office/drawing/2010/main">
+                <a:solidFill>
+                  <a:srgbClr val="FFFFFF"/>
+                </a:solidFill>
+              </a14:hiddenFill>
+            </a:ext>
+          </a:extLst>
+        </p:spPr>
+      </p:pic>
+      <p:pic>
+        <p:nvPicPr>
+          <p:cNvPr id="7" name="Picture 2">
+            <a:extLst>
+              <a:ext uri="{FF2B5EF4-FFF2-40B4-BE49-F238E27FC236}">
+                <a16:creationId xmlns:a16="http://schemas.microsoft.com/office/drawing/2014/main" id="{6A391ACE-D873-BDA7-29B1-D749F1D74DA7}"/>
+              </a:ext>
+            </a:extLst>
+          </p:cNvPr>
+          <p:cNvPicPr>
+            <a:picLocks noChangeAspect="1" noChangeArrowheads="1"/>
+          </p:cNvPicPr>
+          <p:nvPr/>
+        </p:nvPicPr>
+        <p:blipFill rotWithShape="1">
+          <a:blip r:embed="rId3">
+            <a:extLst>
+              <a:ext uri="{28A0092B-C50C-407E-A947-70E740481C1C}">
+                <a14:useLocalDpi xmlns:a14="http://schemas.microsoft.com/office/drawing/2010/main" val="0"/>
+              </a:ext>
+            </a:extLst>
+          </a:blip>
+          <a:srcRect l="1828" t="49167" r="1974" b="1945"/>
+          <a:stretch/>
+        </p:blipFill>
+        <p:spPr bwMode="auto">
+          <a:xfrm>
+            <a:off x="6271791" y="1797053"/>
+            <a:ext cx="5743575" cy="4962525"/>
+          </a:xfrm>
+          <a:prstGeom prst="rect">
+            <a:avLst/>
+          </a:prstGeom>
+          <a:noFill/>
+          <a:extLst>
+            <a:ext uri="{909E8E84-426E-40DD-AFC4-6F175D3DCCD1}">
+              <a14:hiddenFill xmlns:a14="http://schemas.microsoft.com/office/drawing/2010/main">
+                <a:solidFill>
+                  <a:srgbClr val="FFFFFF"/>
+                </a:solidFill>
+              </a14:hiddenFill>
+            </a:ext>
+          </a:extLst>
+        </p:spPr>
+      </p:pic>
+      <p:sp>
+        <p:nvSpPr>
+          <p:cNvPr id="8" name="Espaço Reservado para Conteúdo 2">
+            <a:extLst>
+              <a:ext uri="{FF2B5EF4-FFF2-40B4-BE49-F238E27FC236}">
+                <a16:creationId xmlns:a16="http://schemas.microsoft.com/office/drawing/2014/main" id="{C09E3E1D-F5A3-949C-7B2D-31B05BAA6CEA}"/>
+              </a:ext>
+            </a:extLst>
+          </p:cNvPr>
+          <p:cNvSpPr>
+            <a:spLocks noGrp="1"/>
+          </p:cNvSpPr>
+          <p:nvPr>
+            <p:ph idx="1"/>
+          </p:nvPr>
+        </p:nvSpPr>
+        <p:spPr>
+          <a:xfrm>
+            <a:off x="833861" y="1212903"/>
+            <a:ext cx="11100964" cy="586813"/>
+          </a:xfrm>
+        </p:spPr>
+        <p:txBody>
+          <a:bodyPr>
+            <a:normAutofit fontScale="77500" lnSpcReduction="20000"/>
+          </a:bodyPr>
+          <a:lstStyle/>
+          <a:p>
+            <a:r>
+              <a:rPr lang="pt-BR" dirty="0"/>
+              <a:t>Diferentes tipos de neurônios, a quantidade de camadas e de neurônios em cada uma delas e a forma como eles estão conectados, resultam em topologias diferentes</a:t>
+            </a:r>
+          </a:p>
+        </p:txBody>
+      </p:sp>
+    </p:spTree>
+    <p:extLst>
+      <p:ext uri="{BB962C8B-B14F-4D97-AF65-F5344CB8AC3E}">
+        <p14:creationId xmlns:p14="http://schemas.microsoft.com/office/powerpoint/2010/main" val="846104432"/>
+      </p:ext>
+    </p:extLst>
+  </p:cSld>
+  <p:clrMapOvr>
+    <a:masterClrMapping/>
+  </p:clrMapOvr>
+</p:sld>
+</file>
+
+<file path=ppt/slides/slide13.xml><?xml version="1.0" encoding="utf-8"?>
+<p:sld xmlns:a="http://schemas.openxmlformats.org/drawingml/2006/main" xmlns:r="http://schemas.openxmlformats.org/officeDocument/2006/relationships" xmlns:p="http://schemas.openxmlformats.org/presentationml/2006/main">
+  <p:cSld>
+    <p:spTree>
+      <p:nvGrpSpPr>
+        <p:cNvPr id="1" name=""/>
+        <p:cNvGrpSpPr/>
+        <p:nvPr/>
+      </p:nvGrpSpPr>
+      <p:grpSpPr>
+        <a:xfrm>
+          <a:off x="0" y="0"/>
+          <a:ext cx="0" cy="0"/>
+          <a:chOff x="0" y="0"/>
+          <a:chExt cx="0" cy="0"/>
+        </a:xfrm>
+      </p:grpSpPr>
+      <p:sp>
+        <p:nvSpPr>
+          <p:cNvPr id="2" name="Título 1">
+            <a:extLst>
+              <a:ext uri="{FF2B5EF4-FFF2-40B4-BE49-F238E27FC236}">
+                <a16:creationId xmlns:a16="http://schemas.microsoft.com/office/drawing/2014/main" id="{C2E677E9-E8F3-6C52-3B30-5C445D679097}"/>
+              </a:ext>
+            </a:extLst>
+          </p:cNvPr>
+          <p:cNvSpPr>
+            <a:spLocks noGrp="1"/>
+          </p:cNvSpPr>
+          <p:nvPr>
+            <p:ph type="title"/>
+          </p:nvPr>
+        </p:nvSpPr>
+        <p:spPr>
+          <a:xfrm>
+            <a:off x="833861" y="98422"/>
+            <a:ext cx="10515600" cy="1325563"/>
+          </a:xfrm>
+        </p:spPr>
+        <p:txBody>
+          <a:bodyPr/>
+          <a:lstStyle/>
+          <a:p>
+            <a:r>
+              <a:rPr lang="pt-BR" dirty="0"/>
+              <a:t>Topologias de redes neurais artificiais</a:t>
+            </a:r>
+          </a:p>
+        </p:txBody>
+      </p:sp>
+      <p:pic>
+        <p:nvPicPr>
+          <p:cNvPr id="2050" name="Picture 2">
+            <a:extLst>
+              <a:ext uri="{FF2B5EF4-FFF2-40B4-BE49-F238E27FC236}">
+                <a16:creationId xmlns:a16="http://schemas.microsoft.com/office/drawing/2014/main" id="{5D2E43D7-AEA5-F110-4A94-2ABF9F94D089}"/>
+              </a:ext>
+            </a:extLst>
+          </p:cNvPr>
+          <p:cNvPicPr>
+            <a:picLocks noChangeAspect="1" noChangeArrowheads="1"/>
+          </p:cNvPicPr>
+          <p:nvPr/>
+        </p:nvPicPr>
+        <p:blipFill rotWithShape="1">
+          <a:blip r:embed="rId2">
+            <a:extLst>
+              <a:ext uri="{28A0092B-C50C-407E-A947-70E740481C1C}">
+                <a14:useLocalDpi xmlns:a14="http://schemas.microsoft.com/office/drawing/2010/main" val="0"/>
+              </a:ext>
+            </a:extLst>
+          </a:blip>
+          <a:srcRect l="2273" t="1470" r="1666" b="52098"/>
+          <a:stretch/>
+        </p:blipFill>
+        <p:spPr bwMode="auto">
+          <a:xfrm>
+            <a:off x="131777" y="1416394"/>
+            <a:ext cx="6268716" cy="5151421"/>
+          </a:xfrm>
+          <a:prstGeom prst="rect">
+            <a:avLst/>
+          </a:prstGeom>
+          <a:noFill/>
+          <a:extLst>
+            <a:ext uri="{909E8E84-426E-40DD-AFC4-6F175D3DCCD1}">
+              <a14:hiddenFill xmlns:a14="http://schemas.microsoft.com/office/drawing/2010/main">
+                <a:solidFill>
+                  <a:srgbClr val="FFFFFF"/>
+                </a:solidFill>
+              </a14:hiddenFill>
+            </a:ext>
+          </a:extLst>
+        </p:spPr>
+      </p:pic>
+      <p:sp>
+        <p:nvSpPr>
+          <p:cNvPr id="3" name="Retângulo: Cantos Arredondados 2">
+            <a:extLst>
+              <a:ext uri="{FF2B5EF4-FFF2-40B4-BE49-F238E27FC236}">
+                <a16:creationId xmlns:a16="http://schemas.microsoft.com/office/drawing/2014/main" id="{51253F61-FE15-D675-8A52-7B573E07647B}"/>
+              </a:ext>
+            </a:extLst>
+          </p:cNvPr>
+          <p:cNvSpPr/>
+          <p:nvPr/>
+        </p:nvSpPr>
+        <p:spPr>
+          <a:xfrm>
+            <a:off x="5191125" y="1700211"/>
+            <a:ext cx="1209368" cy="1243014"/>
+          </a:xfrm>
+          <a:prstGeom prst="roundRect">
+            <a:avLst/>
+          </a:prstGeom>
+          <a:solidFill>
+            <a:schemeClr val="accent1">
+              <a:alpha val="64000"/>
+            </a:schemeClr>
+          </a:solidFill>
+        </p:spPr>
+        <p:style>
+          <a:lnRef idx="2">
+            <a:schemeClr val="accent1">
+              <a:shade val="15000"/>
+            </a:schemeClr>
+          </a:lnRef>
+          <a:fillRef idx="1">
+            <a:schemeClr val="accent1"/>
+          </a:fillRef>
+          <a:effectRef idx="0">
+            <a:schemeClr val="accent1"/>
+          </a:effectRef>
+          <a:fontRef idx="minor">
+            <a:schemeClr val="lt1"/>
+          </a:fontRef>
+        </p:style>
+        <p:txBody>
+          <a:bodyPr rtlCol="0" anchor="ctr"/>
+          <a:lstStyle/>
+          <a:p>
+            <a:pPr algn="ctr"/>
+            <a:endParaRPr lang="pt-BR" dirty="0"/>
+          </a:p>
+        </p:txBody>
+      </p:sp>
+      <p:sp>
+        <p:nvSpPr>
+          <p:cNvPr id="4" name="CaixaDeTexto 3">
+            <a:extLst>
+              <a:ext uri="{FF2B5EF4-FFF2-40B4-BE49-F238E27FC236}">
+                <a16:creationId xmlns:a16="http://schemas.microsoft.com/office/drawing/2014/main" id="{243C671D-91F4-AEC8-FD4F-06E73D665DEB}"/>
+              </a:ext>
+            </a:extLst>
+          </p:cNvPr>
+          <p:cNvSpPr txBox="1"/>
+          <p:nvPr/>
+        </p:nvSpPr>
+        <p:spPr>
+          <a:xfrm>
+            <a:off x="0" y="6596390"/>
+            <a:ext cx="3161993" cy="261610"/>
+          </a:xfrm>
+          <a:prstGeom prst="rect">
+            <a:avLst/>
+          </a:prstGeom>
+          <a:noFill/>
+        </p:spPr>
+        <p:txBody>
+          <a:bodyPr wrap="square">
+            <a:spAutoFit/>
+          </a:bodyPr>
+          <a:lstStyle/>
+          <a:p>
+            <a:r>
+              <a:rPr lang="pt-BR" sz="1050" dirty="0"/>
+              <a:t>https://www.asimovinstitute.org/neural-network-zoo/</a:t>
+            </a:r>
+          </a:p>
+        </p:txBody>
+      </p:sp>
+      <p:sp>
+        <p:nvSpPr>
+          <p:cNvPr id="5" name="Espaço Reservado para Conteúdo 2">
+            <a:extLst>
+              <a:ext uri="{FF2B5EF4-FFF2-40B4-BE49-F238E27FC236}">
+                <a16:creationId xmlns:a16="http://schemas.microsoft.com/office/drawing/2014/main" id="{811CC485-7A65-DDBC-CD0F-35D7758C64E3}"/>
+              </a:ext>
+            </a:extLst>
+          </p:cNvPr>
+          <p:cNvSpPr>
+            <a:spLocks noGrp="1"/>
+          </p:cNvSpPr>
+          <p:nvPr>
+            <p:ph idx="1"/>
+          </p:nvPr>
+        </p:nvSpPr>
+        <p:spPr>
+          <a:xfrm>
+            <a:off x="6619875" y="1706579"/>
+            <a:ext cx="5420991" cy="5151421"/>
+          </a:xfrm>
+        </p:spPr>
+        <p:txBody>
+          <a:bodyPr>
+            <a:normAutofit lnSpcReduction="10000"/>
+          </a:bodyPr>
+          <a:lstStyle/>
+          <a:p>
+            <a:r>
+              <a:rPr lang="pt-BR" b="1" dirty="0" err="1"/>
+              <a:t>DFFs</a:t>
+            </a:r>
+            <a:r>
+              <a:rPr lang="pt-BR" dirty="0"/>
+              <a:t>: também chamadas de </a:t>
+            </a:r>
+            <a:r>
+              <a:rPr lang="pt-BR" i="1" dirty="0" err="1"/>
+              <a:t>dense</a:t>
+            </a:r>
+            <a:r>
+              <a:rPr lang="pt-BR" i="1" dirty="0"/>
+              <a:t> neural networks </a:t>
+            </a:r>
+            <a:r>
+              <a:rPr lang="pt-BR" dirty="0"/>
+              <a:t>(DNN), são redes </a:t>
+            </a:r>
+            <a:r>
+              <a:rPr lang="pt-BR" b="1" i="1" dirty="0"/>
+              <a:t>densamente</a:t>
+            </a:r>
+            <a:r>
+              <a:rPr lang="pt-BR" dirty="0"/>
+              <a:t> conectadas (todas as saídas de uma camada se conectam a todos os nós da próxima) com 2 ou mais camadas ocultas.</a:t>
+            </a:r>
+          </a:p>
+          <a:p>
+            <a:r>
+              <a:rPr lang="pt-BR" dirty="0"/>
+              <a:t>O termo </a:t>
+            </a:r>
+            <a:r>
+              <a:rPr lang="pt-BR" b="1" i="1" dirty="0"/>
+              <a:t>feed </a:t>
+            </a:r>
+            <a:r>
+              <a:rPr lang="pt-BR" b="1" i="1" dirty="0" err="1"/>
+              <a:t>forward</a:t>
+            </a:r>
+            <a:r>
+              <a:rPr lang="pt-BR" b="1" i="1" dirty="0"/>
+              <a:t> </a:t>
+            </a:r>
+            <a:r>
+              <a:rPr lang="pt-BR" dirty="0"/>
+              <a:t>vem do fato de que as conexões são sempre no sentido da </a:t>
+            </a:r>
+            <a:r>
+              <a:rPr lang="pt-BR" b="1" i="1" dirty="0"/>
+              <a:t>entrada para a saída</a:t>
+            </a:r>
+            <a:r>
+              <a:rPr lang="pt-BR" dirty="0"/>
+              <a:t>.</a:t>
+            </a:r>
+          </a:p>
+          <a:p>
+            <a:r>
+              <a:rPr lang="pt-BR" dirty="0"/>
+              <a:t>São usadas em tarefas de aproximação de funções (i.e., regressão e classificação.</a:t>
+            </a:r>
+          </a:p>
+        </p:txBody>
+      </p:sp>
+      <p:sp>
+        <p:nvSpPr>
+          <p:cNvPr id="6" name="CaixaDeTexto 5">
+            <a:extLst>
+              <a:ext uri="{FF2B5EF4-FFF2-40B4-BE49-F238E27FC236}">
+                <a16:creationId xmlns:a16="http://schemas.microsoft.com/office/drawing/2014/main" id="{DB9D9639-F477-4342-5FAD-CB7A69423116}"/>
+              </a:ext>
+            </a:extLst>
+          </p:cNvPr>
+          <p:cNvSpPr txBox="1"/>
+          <p:nvPr/>
+        </p:nvSpPr>
+        <p:spPr>
+          <a:xfrm>
+            <a:off x="6319378" y="1564013"/>
+            <a:ext cx="342899" cy="523220"/>
+          </a:xfrm>
+          <a:prstGeom prst="rect">
+            <a:avLst/>
+          </a:prstGeom>
+          <a:noFill/>
+        </p:spPr>
+        <p:txBody>
+          <a:bodyPr wrap="square" rtlCol="0">
+            <a:spAutoFit/>
+          </a:bodyPr>
+          <a:lstStyle/>
+          <a:p>
+            <a:r>
+              <a:rPr lang="pt-BR" sz="2800" b="1" dirty="0">
+                <a:solidFill>
+                  <a:srgbClr val="FF0000"/>
+                </a:solidFill>
+              </a:rPr>
+              <a:t>*</a:t>
+            </a:r>
+            <a:endParaRPr lang="pt-BR" b="1" dirty="0">
+              <a:solidFill>
+                <a:srgbClr val="FF0000"/>
+              </a:solidFill>
+            </a:endParaRPr>
+          </a:p>
+        </p:txBody>
+      </p:sp>
+      <p:sp>
+        <p:nvSpPr>
+          <p:cNvPr id="8" name="CaixaDeTexto 7">
+            <a:extLst>
+              <a:ext uri="{FF2B5EF4-FFF2-40B4-BE49-F238E27FC236}">
+                <a16:creationId xmlns:a16="http://schemas.microsoft.com/office/drawing/2014/main" id="{EDED775B-4386-BF2D-7F1A-8EEC45D8E14F}"/>
+              </a:ext>
+            </a:extLst>
+          </p:cNvPr>
+          <p:cNvSpPr txBox="1"/>
+          <p:nvPr/>
+        </p:nvSpPr>
+        <p:spPr>
+          <a:xfrm>
+            <a:off x="9631348" y="6567815"/>
+            <a:ext cx="2628900" cy="261610"/>
+          </a:xfrm>
+          <a:prstGeom prst="rect">
+            <a:avLst/>
+          </a:prstGeom>
+          <a:noFill/>
+        </p:spPr>
+        <p:txBody>
+          <a:bodyPr wrap="square" rtlCol="0">
+            <a:spAutoFit/>
+          </a:bodyPr>
+          <a:lstStyle/>
+          <a:p>
+            <a:r>
+              <a:rPr lang="pt-BR" sz="1100" b="1" dirty="0">
+                <a:solidFill>
+                  <a:srgbClr val="FF0000"/>
+                </a:solidFill>
+              </a:rPr>
+              <a:t>* </a:t>
+            </a:r>
+            <a:r>
+              <a:rPr lang="pt-BR" sz="1100" dirty="0"/>
+              <a:t>Modelo que será muito usado no curso.</a:t>
+            </a:r>
+          </a:p>
+        </p:txBody>
+      </p:sp>
+    </p:spTree>
+    <p:extLst>
+      <p:ext uri="{BB962C8B-B14F-4D97-AF65-F5344CB8AC3E}">
+        <p14:creationId xmlns:p14="http://schemas.microsoft.com/office/powerpoint/2010/main" val="2967633301"/>
+      </p:ext>
+    </p:extLst>
+  </p:cSld>
+  <p:clrMapOvr>
+    <a:masterClrMapping/>
+  </p:clrMapOvr>
+</p:sld>
+</file>
+
+<file path=ppt/slides/slide14.xml><?xml version="1.0" encoding="utf-8"?>
+<p:sld xmlns:a="http://schemas.openxmlformats.org/drawingml/2006/main" xmlns:r="http://schemas.openxmlformats.org/officeDocument/2006/relationships" xmlns:p="http://schemas.openxmlformats.org/presentationml/2006/main">
+  <p:cSld>
+    <p:spTree>
+      <p:nvGrpSpPr>
+        <p:cNvPr id="1" name=""/>
+        <p:cNvGrpSpPr/>
+        <p:nvPr/>
+      </p:nvGrpSpPr>
+      <p:grpSpPr>
+        <a:xfrm>
+          <a:off x="0" y="0"/>
+          <a:ext cx="0" cy="0"/>
+          <a:chOff x="0" y="0"/>
+          <a:chExt cx="0" cy="0"/>
+        </a:xfrm>
+      </p:grpSpPr>
+      <p:pic>
+        <p:nvPicPr>
+          <p:cNvPr id="6" name="Picture 2">
+            <a:extLst>
+              <a:ext uri="{FF2B5EF4-FFF2-40B4-BE49-F238E27FC236}">
+                <a16:creationId xmlns:a16="http://schemas.microsoft.com/office/drawing/2014/main" id="{A7EAA2BF-C5CD-8103-2E5B-7DFFC3288D6D}"/>
+              </a:ext>
+            </a:extLst>
+          </p:cNvPr>
+          <p:cNvPicPr>
+            <a:picLocks noChangeAspect="1" noChangeArrowheads="1"/>
+          </p:cNvPicPr>
+          <p:nvPr/>
+        </p:nvPicPr>
+        <p:blipFill rotWithShape="1">
+          <a:blip r:embed="rId3">
+            <a:extLst>
+              <a:ext uri="{28A0092B-C50C-407E-A947-70E740481C1C}">
+                <a14:useLocalDpi xmlns:a14="http://schemas.microsoft.com/office/drawing/2010/main" val="0"/>
+              </a:ext>
+            </a:extLst>
+          </a:blip>
+          <a:srcRect l="1828" t="49167" r="1974" b="1945"/>
+          <a:stretch/>
+        </p:blipFill>
+        <p:spPr bwMode="auto">
+          <a:xfrm>
+            <a:off x="348086" y="1528925"/>
+            <a:ext cx="5743575" cy="4962525"/>
+          </a:xfrm>
+          <a:prstGeom prst="rect">
+            <a:avLst/>
+          </a:prstGeom>
+          <a:noFill/>
+          <a:extLst>
+            <a:ext uri="{909E8E84-426E-40DD-AFC4-6F175D3DCCD1}">
+              <a14:hiddenFill xmlns:a14="http://schemas.microsoft.com/office/drawing/2010/main">
+                <a:solidFill>
+                  <a:srgbClr val="FFFFFF"/>
+                </a:solidFill>
+              </a14:hiddenFill>
+            </a:ext>
+          </a:extLst>
+        </p:spPr>
+      </p:pic>
+      <p:sp>
+        <p:nvSpPr>
+          <p:cNvPr id="2" name="Título 1">
+            <a:extLst>
+              <a:ext uri="{FF2B5EF4-FFF2-40B4-BE49-F238E27FC236}">
+                <a16:creationId xmlns:a16="http://schemas.microsoft.com/office/drawing/2014/main" id="{C2E677E9-E8F3-6C52-3B30-5C445D679097}"/>
+              </a:ext>
+            </a:extLst>
+          </p:cNvPr>
+          <p:cNvSpPr>
+            <a:spLocks noGrp="1"/>
+          </p:cNvSpPr>
+          <p:nvPr>
+            <p:ph type="title"/>
+          </p:nvPr>
+        </p:nvSpPr>
+        <p:spPr>
+          <a:xfrm>
+            <a:off x="833861" y="98422"/>
+            <a:ext cx="10515600" cy="1325563"/>
+          </a:xfrm>
+        </p:spPr>
+        <p:txBody>
+          <a:bodyPr/>
+          <a:lstStyle/>
+          <a:p>
+            <a:r>
+              <a:rPr lang="pt-BR" dirty="0"/>
+              <a:t>Topologias de redes neurais artificiais</a:t>
+            </a:r>
+          </a:p>
+        </p:txBody>
+      </p:sp>
+      <p:sp>
+        <p:nvSpPr>
+          <p:cNvPr id="3" name="Retângulo: Cantos Arredondados 2">
+            <a:extLst>
+              <a:ext uri="{FF2B5EF4-FFF2-40B4-BE49-F238E27FC236}">
+                <a16:creationId xmlns:a16="http://schemas.microsoft.com/office/drawing/2014/main" id="{51253F61-FE15-D675-8A52-7B573E07647B}"/>
+              </a:ext>
+            </a:extLst>
+          </p:cNvPr>
+          <p:cNvSpPr/>
+          <p:nvPr/>
+        </p:nvSpPr>
+        <p:spPr>
+          <a:xfrm>
+            <a:off x="319512" y="1471610"/>
+            <a:ext cx="5871738" cy="1478128"/>
+          </a:xfrm>
+          <a:prstGeom prst="roundRect">
+            <a:avLst/>
+          </a:prstGeom>
+          <a:solidFill>
+            <a:schemeClr val="accent1">
+              <a:alpha val="64000"/>
+            </a:schemeClr>
+          </a:solidFill>
+        </p:spPr>
+        <p:style>
+          <a:lnRef idx="2">
+            <a:schemeClr val="accent1">
+              <a:shade val="15000"/>
+            </a:schemeClr>
+          </a:lnRef>
+          <a:fillRef idx="1">
+            <a:schemeClr val="accent1"/>
+          </a:fillRef>
+          <a:effectRef idx="0">
+            <a:schemeClr val="accent1"/>
+          </a:effectRef>
+          <a:fontRef idx="minor">
+            <a:schemeClr val="lt1"/>
+          </a:fontRef>
+        </p:style>
+        <p:txBody>
+          <a:bodyPr rtlCol="0" anchor="ctr"/>
+          <a:lstStyle/>
+          <a:p>
+            <a:pPr algn="ctr"/>
+            <a:endParaRPr lang="pt-BR" dirty="0"/>
+          </a:p>
+        </p:txBody>
+      </p:sp>
+      <p:sp>
+        <p:nvSpPr>
+          <p:cNvPr id="4" name="CaixaDeTexto 3">
+            <a:extLst>
+              <a:ext uri="{FF2B5EF4-FFF2-40B4-BE49-F238E27FC236}">
+                <a16:creationId xmlns:a16="http://schemas.microsoft.com/office/drawing/2014/main" id="{243C671D-91F4-AEC8-FD4F-06E73D665DEB}"/>
+              </a:ext>
+            </a:extLst>
+          </p:cNvPr>
+          <p:cNvSpPr txBox="1"/>
+          <p:nvPr/>
+        </p:nvSpPr>
+        <p:spPr>
+          <a:xfrm>
+            <a:off x="0" y="6596390"/>
+            <a:ext cx="3161993" cy="261610"/>
+          </a:xfrm>
+          <a:prstGeom prst="rect">
+            <a:avLst/>
+          </a:prstGeom>
+          <a:noFill/>
+        </p:spPr>
+        <p:txBody>
+          <a:bodyPr wrap="square">
+            <a:spAutoFit/>
+          </a:bodyPr>
+          <a:lstStyle/>
+          <a:p>
+            <a:r>
+              <a:rPr lang="pt-BR" sz="1050" dirty="0"/>
+              <a:t>https://www.asimovinstitute.org/neural-network-zoo/</a:t>
+            </a:r>
+          </a:p>
+        </p:txBody>
+      </p:sp>
+      <p:sp>
+        <p:nvSpPr>
+          <p:cNvPr id="5" name="Espaço Reservado para Conteúdo 2">
+            <a:extLst>
+              <a:ext uri="{FF2B5EF4-FFF2-40B4-BE49-F238E27FC236}">
+                <a16:creationId xmlns:a16="http://schemas.microsoft.com/office/drawing/2014/main" id="{811CC485-7A65-DDBC-CD0F-35D7758C64E3}"/>
+              </a:ext>
+            </a:extLst>
+          </p:cNvPr>
+          <p:cNvSpPr>
+            <a:spLocks noGrp="1"/>
+          </p:cNvSpPr>
+          <p:nvPr>
+            <p:ph idx="1"/>
+          </p:nvPr>
+        </p:nvSpPr>
+        <p:spPr>
+          <a:xfrm>
+            <a:off x="6477001" y="1471611"/>
+            <a:ext cx="5563866" cy="5386390"/>
+          </a:xfrm>
+        </p:spPr>
+        <p:txBody>
+          <a:bodyPr>
+            <a:normAutofit/>
+          </a:bodyPr>
+          <a:lstStyle/>
+          <a:p>
+            <a:r>
+              <a:rPr lang="pt-BR" b="1" dirty="0" err="1"/>
+              <a:t>CNNs</a:t>
+            </a:r>
+            <a:r>
+              <a:rPr lang="pt-BR" dirty="0"/>
+              <a:t>: ou redes neurais convolucionais, são redes que utilizam </a:t>
+            </a:r>
+            <a:r>
+              <a:rPr lang="pt-BR" b="1" i="1" dirty="0"/>
+              <a:t>camadas de convolução</a:t>
+            </a:r>
+            <a:r>
+              <a:rPr lang="pt-BR" dirty="0"/>
+              <a:t>,</a:t>
+            </a:r>
+            <a:r>
+              <a:rPr lang="pt-BR" b="1" i="1" dirty="0"/>
+              <a:t> </a:t>
+            </a:r>
+            <a:r>
+              <a:rPr lang="pt-BR" i="0" dirty="0">
+                <a:effectLst/>
+              </a:rPr>
+              <a:t>que aplicam </a:t>
+            </a:r>
+            <a:r>
+              <a:rPr lang="pt-BR" b="1" i="1" dirty="0">
+                <a:effectLst/>
+              </a:rPr>
+              <a:t>filtros</a:t>
+            </a:r>
+            <a:r>
+              <a:rPr lang="pt-BR" i="0" dirty="0">
+                <a:effectLst/>
+              </a:rPr>
+              <a:t> para </a:t>
+            </a:r>
+            <a:r>
+              <a:rPr lang="pt-BR" b="1" i="1" dirty="0">
+                <a:effectLst/>
+              </a:rPr>
+              <a:t>extrair características relevantes </a:t>
+            </a:r>
+            <a:r>
+              <a:rPr lang="pt-BR" i="0" dirty="0">
+                <a:effectLst/>
+              </a:rPr>
+              <a:t>dos dados de entrada, em geral imagens.</a:t>
+            </a:r>
+            <a:endParaRPr lang="pt-BR" dirty="0"/>
+          </a:p>
+          <a:p>
+            <a:r>
+              <a:rPr lang="pt-BR" dirty="0"/>
+              <a:t>São usadas em aplicações de </a:t>
+            </a:r>
+            <a:r>
+              <a:rPr lang="pt-BR" b="1" i="1" dirty="0"/>
+              <a:t>visão computacional</a:t>
+            </a:r>
+            <a:r>
+              <a:rPr lang="pt-BR" dirty="0"/>
+              <a:t>, como classificação de imagens, processamento de vídeos, detecção de objetos em imagens ou vídeos.</a:t>
+            </a:r>
+          </a:p>
+        </p:txBody>
+      </p:sp>
+      <p:sp>
+        <p:nvSpPr>
+          <p:cNvPr id="7" name="CaixaDeTexto 6">
+            <a:extLst>
+              <a:ext uri="{FF2B5EF4-FFF2-40B4-BE49-F238E27FC236}">
+                <a16:creationId xmlns:a16="http://schemas.microsoft.com/office/drawing/2014/main" id="{117F3FD2-FCE4-7DFE-C26E-0C021FA33D26}"/>
+              </a:ext>
+            </a:extLst>
+          </p:cNvPr>
+          <p:cNvSpPr txBox="1"/>
+          <p:nvPr/>
+        </p:nvSpPr>
+        <p:spPr>
+          <a:xfrm>
+            <a:off x="6069595" y="1302403"/>
+            <a:ext cx="342899" cy="523220"/>
+          </a:xfrm>
+          <a:prstGeom prst="rect">
+            <a:avLst/>
+          </a:prstGeom>
+          <a:noFill/>
+        </p:spPr>
+        <p:txBody>
+          <a:bodyPr wrap="square" rtlCol="0">
+            <a:spAutoFit/>
+          </a:bodyPr>
+          <a:lstStyle/>
+          <a:p>
+            <a:r>
+              <a:rPr lang="pt-BR" sz="2800" b="1" dirty="0">
+                <a:solidFill>
+                  <a:srgbClr val="FF0000"/>
+                </a:solidFill>
+              </a:rPr>
+              <a:t>*</a:t>
+            </a:r>
+            <a:endParaRPr lang="pt-BR" b="1" dirty="0">
+              <a:solidFill>
+                <a:srgbClr val="FF0000"/>
+              </a:solidFill>
+            </a:endParaRPr>
+          </a:p>
+        </p:txBody>
+      </p:sp>
+      <p:sp>
+        <p:nvSpPr>
+          <p:cNvPr id="8" name="CaixaDeTexto 7">
+            <a:extLst>
+              <a:ext uri="{FF2B5EF4-FFF2-40B4-BE49-F238E27FC236}">
+                <a16:creationId xmlns:a16="http://schemas.microsoft.com/office/drawing/2014/main" id="{BCCD196A-9BB4-D2E2-8ADF-C261B47277AA}"/>
+              </a:ext>
+            </a:extLst>
+          </p:cNvPr>
+          <p:cNvSpPr txBox="1"/>
+          <p:nvPr/>
+        </p:nvSpPr>
+        <p:spPr>
+          <a:xfrm>
+            <a:off x="9631348" y="6567815"/>
+            <a:ext cx="2628900" cy="261610"/>
+          </a:xfrm>
+          <a:prstGeom prst="rect">
+            <a:avLst/>
+          </a:prstGeom>
+          <a:noFill/>
+        </p:spPr>
+        <p:txBody>
+          <a:bodyPr wrap="square" rtlCol="0">
+            <a:spAutoFit/>
+          </a:bodyPr>
+          <a:lstStyle/>
+          <a:p>
+            <a:r>
+              <a:rPr lang="pt-BR" sz="1100" b="1" dirty="0">
+                <a:solidFill>
+                  <a:srgbClr val="FF0000"/>
+                </a:solidFill>
+              </a:rPr>
+              <a:t>* </a:t>
+            </a:r>
+            <a:r>
+              <a:rPr lang="pt-BR" sz="1100" dirty="0"/>
+              <a:t>Modelo que será muito usado no curso.</a:t>
+            </a:r>
+          </a:p>
+        </p:txBody>
+      </p:sp>
+    </p:spTree>
+    <p:extLst>
+      <p:ext uri="{BB962C8B-B14F-4D97-AF65-F5344CB8AC3E}">
+        <p14:creationId xmlns:p14="http://schemas.microsoft.com/office/powerpoint/2010/main" val="3973917473"/>
+      </p:ext>
+    </p:extLst>
+  </p:cSld>
+  <p:clrMapOvr>
+    <a:masterClrMapping/>
+  </p:clrMapOvr>
+</p:sld>
+</file>
+
+<file path=ppt/slides/slide15.xml><?xml version="1.0" encoding="utf-8"?>
+<p:sld xmlns:a="http://schemas.openxmlformats.org/drawingml/2006/main" xmlns:r="http://schemas.openxmlformats.org/officeDocument/2006/relationships" xmlns:p="http://schemas.openxmlformats.org/presentationml/2006/main">
+  <p:cSld>
+    <p:spTree>
+      <p:nvGrpSpPr>
+        <p:cNvPr id="1" name=""/>
+        <p:cNvGrpSpPr/>
+        <p:nvPr/>
+      </p:nvGrpSpPr>
+      <p:grpSpPr>
+        <a:xfrm>
+          <a:off x="0" y="0"/>
+          <a:ext cx="0" cy="0"/>
+          <a:chOff x="0" y="0"/>
+          <a:chExt cx="0" cy="0"/>
+        </a:xfrm>
+      </p:grpSpPr>
+      <p:sp>
+        <p:nvSpPr>
+          <p:cNvPr id="2" name="Título 1">
+            <a:extLst>
+              <a:ext uri="{FF2B5EF4-FFF2-40B4-BE49-F238E27FC236}">
+                <a16:creationId xmlns:a16="http://schemas.microsoft.com/office/drawing/2014/main" id="{C2E677E9-E8F3-6C52-3B30-5C445D679097}"/>
+              </a:ext>
+            </a:extLst>
+          </p:cNvPr>
+          <p:cNvSpPr>
+            <a:spLocks noGrp="1"/>
+          </p:cNvSpPr>
+          <p:nvPr>
+            <p:ph type="title"/>
+          </p:nvPr>
+        </p:nvSpPr>
+        <p:spPr>
+          <a:xfrm>
+            <a:off x="833861" y="98422"/>
+            <a:ext cx="10515600" cy="1325563"/>
+          </a:xfrm>
+        </p:spPr>
+        <p:txBody>
+          <a:bodyPr/>
+          <a:lstStyle/>
+          <a:p>
+            <a:r>
+              <a:rPr lang="pt-BR" dirty="0"/>
+              <a:t>Topologias de redes neurais artificiais</a:t>
+            </a:r>
+          </a:p>
+        </p:txBody>
+      </p:sp>
+      <p:pic>
+        <p:nvPicPr>
+          <p:cNvPr id="2050" name="Picture 2">
+            <a:extLst>
+              <a:ext uri="{FF2B5EF4-FFF2-40B4-BE49-F238E27FC236}">
+                <a16:creationId xmlns:a16="http://schemas.microsoft.com/office/drawing/2014/main" id="{5D2E43D7-AEA5-F110-4A94-2ABF9F94D089}"/>
+              </a:ext>
+            </a:extLst>
+          </p:cNvPr>
+          <p:cNvPicPr>
+            <a:picLocks noChangeAspect="1" noChangeArrowheads="1"/>
+          </p:cNvPicPr>
+          <p:nvPr/>
+        </p:nvPicPr>
+        <p:blipFill rotWithShape="1">
+          <a:blip r:embed="rId2">
+            <a:extLst>
+              <a:ext uri="{28A0092B-C50C-407E-A947-70E740481C1C}">
+                <a14:useLocalDpi xmlns:a14="http://schemas.microsoft.com/office/drawing/2010/main" val="0"/>
+              </a:ext>
+            </a:extLst>
+          </a:blip>
+          <a:srcRect l="2273" t="1470" r="1666" b="52098"/>
+          <a:stretch/>
+        </p:blipFill>
+        <p:spPr bwMode="auto">
+          <a:xfrm>
+            <a:off x="151134" y="1423985"/>
+            <a:ext cx="6038850" cy="4962525"/>
+          </a:xfrm>
+          <a:prstGeom prst="rect">
+            <a:avLst/>
+          </a:prstGeom>
+          <a:noFill/>
+          <a:extLst>
+            <a:ext uri="{909E8E84-426E-40DD-AFC4-6F175D3DCCD1}">
+              <a14:hiddenFill xmlns:a14="http://schemas.microsoft.com/office/drawing/2010/main">
+                <a:solidFill>
+                  <a:srgbClr val="FFFFFF"/>
+                </a:solidFill>
+              </a14:hiddenFill>
+            </a:ext>
+          </a:extLst>
+        </p:spPr>
+      </p:pic>
+      <p:sp>
+        <p:nvSpPr>
+          <p:cNvPr id="3" name="Retângulo: Cantos Arredondados 2">
+            <a:extLst>
+              <a:ext uri="{FF2B5EF4-FFF2-40B4-BE49-F238E27FC236}">
+                <a16:creationId xmlns:a16="http://schemas.microsoft.com/office/drawing/2014/main" id="{51253F61-FE15-D675-8A52-7B573E07647B}"/>
+              </a:ext>
+            </a:extLst>
+          </p:cNvPr>
+          <p:cNvSpPr/>
+          <p:nvPr/>
+        </p:nvSpPr>
+        <p:spPr>
+          <a:xfrm>
+            <a:off x="1650898" y="2990849"/>
+            <a:ext cx="4616552" cy="962025"/>
+          </a:xfrm>
+          <a:prstGeom prst="roundRect">
+            <a:avLst/>
+          </a:prstGeom>
+          <a:solidFill>
+            <a:schemeClr val="accent1">
+              <a:alpha val="64000"/>
+            </a:schemeClr>
+          </a:solidFill>
+        </p:spPr>
+        <p:style>
+          <a:lnRef idx="2">
+            <a:schemeClr val="accent1">
+              <a:shade val="15000"/>
+            </a:schemeClr>
+          </a:lnRef>
+          <a:fillRef idx="1">
+            <a:schemeClr val="accent1"/>
+          </a:fillRef>
+          <a:effectRef idx="0">
+            <a:schemeClr val="accent1"/>
+          </a:effectRef>
+          <a:fontRef idx="minor">
+            <a:schemeClr val="lt1"/>
+          </a:fontRef>
+        </p:style>
+        <p:txBody>
+          <a:bodyPr rtlCol="0" anchor="ctr"/>
+          <a:lstStyle/>
+          <a:p>
+            <a:pPr algn="ctr"/>
+            <a:endParaRPr lang="pt-BR" dirty="0"/>
+          </a:p>
+        </p:txBody>
+      </p:sp>
+      <p:sp>
+        <p:nvSpPr>
+          <p:cNvPr id="4" name="CaixaDeTexto 3">
+            <a:extLst>
+              <a:ext uri="{FF2B5EF4-FFF2-40B4-BE49-F238E27FC236}">
+                <a16:creationId xmlns:a16="http://schemas.microsoft.com/office/drawing/2014/main" id="{243C671D-91F4-AEC8-FD4F-06E73D665DEB}"/>
+              </a:ext>
+            </a:extLst>
+          </p:cNvPr>
+          <p:cNvSpPr txBox="1"/>
+          <p:nvPr/>
+        </p:nvSpPr>
+        <p:spPr>
+          <a:xfrm>
+            <a:off x="0" y="6596390"/>
+            <a:ext cx="3161993" cy="261610"/>
+          </a:xfrm>
+          <a:prstGeom prst="rect">
+            <a:avLst/>
+          </a:prstGeom>
+          <a:noFill/>
+        </p:spPr>
+        <p:txBody>
+          <a:bodyPr wrap="square">
+            <a:spAutoFit/>
+          </a:bodyPr>
+          <a:lstStyle/>
+          <a:p>
+            <a:r>
+              <a:rPr lang="pt-BR" sz="1050" dirty="0"/>
+              <a:t>https://www.asimovinstitute.org/neural-network-zoo/</a:t>
+            </a:r>
+          </a:p>
+        </p:txBody>
+      </p:sp>
+      <p:sp>
+        <p:nvSpPr>
+          <p:cNvPr id="5" name="Espaço Reservado para Conteúdo 2">
+            <a:extLst>
+              <a:ext uri="{FF2B5EF4-FFF2-40B4-BE49-F238E27FC236}">
+                <a16:creationId xmlns:a16="http://schemas.microsoft.com/office/drawing/2014/main" id="{811CC485-7A65-DDBC-CD0F-35D7758C64E3}"/>
+              </a:ext>
+            </a:extLst>
+          </p:cNvPr>
+          <p:cNvSpPr>
+            <a:spLocks noGrp="1"/>
+          </p:cNvSpPr>
+          <p:nvPr>
+            <p:ph idx="1"/>
+          </p:nvPr>
+        </p:nvSpPr>
+        <p:spPr>
+          <a:xfrm>
+            <a:off x="6581775" y="1423985"/>
+            <a:ext cx="5459091" cy="5434015"/>
+          </a:xfrm>
+        </p:spPr>
+        <p:txBody>
+          <a:bodyPr>
+            <a:normAutofit/>
+          </a:bodyPr>
+          <a:lstStyle/>
+          <a:p>
+            <a:r>
+              <a:rPr lang="pt-BR" b="1" dirty="0" err="1"/>
+              <a:t>RNNs</a:t>
+            </a:r>
+            <a:r>
+              <a:rPr lang="pt-BR" dirty="0"/>
+              <a:t>: ou redes neurais </a:t>
+            </a:r>
+            <a:r>
+              <a:rPr lang="pt-BR" b="1" i="1" dirty="0"/>
+              <a:t>recorrentes</a:t>
+            </a:r>
+            <a:r>
+              <a:rPr lang="pt-BR" dirty="0"/>
+              <a:t>, p</a:t>
+            </a:r>
+            <a:r>
+              <a:rPr lang="pt-BR" b="0" i="0" dirty="0">
+                <a:effectLst/>
+              </a:rPr>
+              <a:t>ossuem </a:t>
+            </a:r>
+            <a:r>
+              <a:rPr lang="pt-BR" b="1" i="1" dirty="0">
+                <a:effectLst/>
+              </a:rPr>
+              <a:t>conexões que formam loops</a:t>
+            </a:r>
+            <a:r>
+              <a:rPr lang="pt-BR" b="0" i="0" dirty="0">
+                <a:effectLst/>
+              </a:rPr>
+              <a:t>, permitindo que </a:t>
+            </a:r>
+            <a:r>
+              <a:rPr lang="pt-BR" b="1" i="1" dirty="0">
+                <a:effectLst/>
+              </a:rPr>
+              <a:t>informações anteriores sejam armazenadas e influenciem as entradas futuras</a:t>
+            </a:r>
+            <a:r>
+              <a:rPr lang="pt-BR" dirty="0"/>
+              <a:t>, ou seja, elas possuem memória.</a:t>
+            </a:r>
+          </a:p>
+          <a:p>
+            <a:r>
+              <a:rPr lang="pt-BR" b="0" i="0" dirty="0">
+                <a:effectLst/>
+              </a:rPr>
+              <a:t>Essa capacidade as torna especialmente úteis em </a:t>
+            </a:r>
+            <a:r>
+              <a:rPr lang="pt-BR" b="1" i="1" dirty="0">
+                <a:effectLst/>
+              </a:rPr>
+              <a:t>tarefas </a:t>
+            </a:r>
+            <a:r>
+              <a:rPr lang="pt-BR" dirty="0">
+                <a:effectLst/>
+              </a:rPr>
+              <a:t>que envolvem </a:t>
+            </a:r>
+            <a:r>
+              <a:rPr lang="pt-BR" b="1" i="1" dirty="0">
+                <a:effectLst/>
+              </a:rPr>
+              <a:t>dados sequenciais</a:t>
+            </a:r>
+            <a:r>
+              <a:rPr lang="pt-BR" b="0" i="0" dirty="0">
+                <a:effectLst/>
+              </a:rPr>
+              <a:t>, como </a:t>
+            </a:r>
+            <a:r>
+              <a:rPr lang="pt-BR" b="1" i="1" dirty="0">
+                <a:effectLst/>
+              </a:rPr>
+              <a:t>análise de texto</a:t>
+            </a:r>
+            <a:r>
+              <a:rPr lang="pt-BR" b="0" i="0" dirty="0">
+                <a:effectLst/>
+              </a:rPr>
+              <a:t>, </a:t>
+            </a:r>
+            <a:r>
+              <a:rPr lang="pt-BR" b="1" i="1" dirty="0">
+                <a:effectLst/>
+              </a:rPr>
+              <a:t>previsão de séries temporais</a:t>
+            </a:r>
+            <a:r>
+              <a:rPr lang="pt-BR" b="0" i="0" dirty="0">
+                <a:effectLst/>
+              </a:rPr>
+              <a:t> e </a:t>
+            </a:r>
+            <a:r>
+              <a:rPr lang="pt-BR" b="1" i="1" dirty="0">
+                <a:effectLst/>
+              </a:rPr>
+              <a:t>processamento de fala e áudio</a:t>
+            </a:r>
+            <a:r>
+              <a:rPr lang="pt-BR" b="0" i="0" dirty="0">
+                <a:effectLst/>
+              </a:rPr>
+              <a:t>.</a:t>
+            </a:r>
+            <a:endParaRPr lang="pt-BR" dirty="0"/>
+          </a:p>
+        </p:txBody>
+      </p:sp>
+    </p:spTree>
+    <p:extLst>
+      <p:ext uri="{BB962C8B-B14F-4D97-AF65-F5344CB8AC3E}">
+        <p14:creationId xmlns:p14="http://schemas.microsoft.com/office/powerpoint/2010/main" val="3064386857"/>
+      </p:ext>
+    </p:extLst>
+  </p:cSld>
+  <p:clrMapOvr>
+    <a:masterClrMapping/>
+  </p:clrMapOvr>
+</p:sld>
+</file>
+
+<file path=ppt/slides/slide16.xml><?xml version="1.0" encoding="utf-8"?>
+<p:sld xmlns:a="http://schemas.openxmlformats.org/drawingml/2006/main" xmlns:r="http://schemas.openxmlformats.org/officeDocument/2006/relationships" xmlns:p="http://schemas.openxmlformats.org/presentationml/2006/main">
+  <p:cSld>
+    <p:spTree>
+      <p:nvGrpSpPr>
+        <p:cNvPr id="1" name=""/>
+        <p:cNvGrpSpPr/>
+        <p:nvPr/>
+      </p:nvGrpSpPr>
+      <p:grpSpPr>
+        <a:xfrm>
+          <a:off x="0" y="0"/>
+          <a:ext cx="0" cy="0"/>
+          <a:chOff x="0" y="0"/>
+          <a:chExt cx="0" cy="0"/>
+        </a:xfrm>
+      </p:grpSpPr>
+      <p:sp>
+        <p:nvSpPr>
+          <p:cNvPr id="2" name="Título 1">
+            <a:extLst>
+              <a:ext uri="{FF2B5EF4-FFF2-40B4-BE49-F238E27FC236}">
+                <a16:creationId xmlns:a16="http://schemas.microsoft.com/office/drawing/2014/main" id="{C2E677E9-E8F3-6C52-3B30-5C445D679097}"/>
+              </a:ext>
+            </a:extLst>
+          </p:cNvPr>
+          <p:cNvSpPr>
+            <a:spLocks noGrp="1"/>
+          </p:cNvSpPr>
+          <p:nvPr>
+            <p:ph type="title"/>
+          </p:nvPr>
+        </p:nvSpPr>
+        <p:spPr>
+          <a:xfrm>
+            <a:off x="833861" y="98422"/>
+            <a:ext cx="10515600" cy="1325563"/>
+          </a:xfrm>
+        </p:spPr>
+        <p:txBody>
+          <a:bodyPr/>
+          <a:lstStyle/>
+          <a:p>
+            <a:r>
+              <a:rPr lang="pt-BR" dirty="0"/>
+              <a:t>Topologias de redes neurais artificiais</a:t>
+            </a:r>
+          </a:p>
+        </p:txBody>
+      </p:sp>
+      <p:pic>
+        <p:nvPicPr>
+          <p:cNvPr id="2050" name="Picture 2">
+            <a:extLst>
+              <a:ext uri="{FF2B5EF4-FFF2-40B4-BE49-F238E27FC236}">
+                <a16:creationId xmlns:a16="http://schemas.microsoft.com/office/drawing/2014/main" id="{5D2E43D7-AEA5-F110-4A94-2ABF9F94D089}"/>
+              </a:ext>
+            </a:extLst>
+          </p:cNvPr>
+          <p:cNvPicPr>
+            <a:picLocks noChangeAspect="1" noChangeArrowheads="1"/>
+          </p:cNvPicPr>
+          <p:nvPr/>
+        </p:nvPicPr>
+        <p:blipFill rotWithShape="1">
+          <a:blip r:embed="rId3">
+            <a:extLst>
+              <a:ext uri="{28A0092B-C50C-407E-A947-70E740481C1C}">
+                <a14:useLocalDpi xmlns:a14="http://schemas.microsoft.com/office/drawing/2010/main" val="0"/>
+              </a:ext>
+            </a:extLst>
+          </a:blip>
+          <a:srcRect l="2273" t="1470" r="1666" b="52098"/>
+          <a:stretch/>
+        </p:blipFill>
+        <p:spPr bwMode="auto">
+          <a:xfrm>
+            <a:off x="151134" y="1423985"/>
+            <a:ext cx="6038850" cy="4962525"/>
+          </a:xfrm>
+          <a:prstGeom prst="rect">
+            <a:avLst/>
+          </a:prstGeom>
+          <a:noFill/>
+          <a:extLst>
+            <a:ext uri="{909E8E84-426E-40DD-AFC4-6F175D3DCCD1}">
+              <a14:hiddenFill xmlns:a14="http://schemas.microsoft.com/office/drawing/2010/main">
+                <a:solidFill>
+                  <a:srgbClr val="FFFFFF"/>
+                </a:solidFill>
+              </a14:hiddenFill>
+            </a:ext>
+          </a:extLst>
+        </p:spPr>
+      </p:pic>
+      <p:sp>
+        <p:nvSpPr>
+          <p:cNvPr id="3" name="Retângulo: Cantos Arredondados 2">
+            <a:extLst>
+              <a:ext uri="{FF2B5EF4-FFF2-40B4-BE49-F238E27FC236}">
+                <a16:creationId xmlns:a16="http://schemas.microsoft.com/office/drawing/2014/main" id="{51253F61-FE15-D675-8A52-7B573E07647B}"/>
+              </a:ext>
+            </a:extLst>
+          </p:cNvPr>
+          <p:cNvSpPr/>
+          <p:nvPr/>
+        </p:nvSpPr>
+        <p:spPr>
+          <a:xfrm>
+            <a:off x="1743075" y="3952876"/>
+            <a:ext cx="4446910" cy="1257300"/>
+          </a:xfrm>
+          <a:prstGeom prst="roundRect">
+            <a:avLst/>
+          </a:prstGeom>
+          <a:solidFill>
+            <a:schemeClr val="accent1">
+              <a:alpha val="64000"/>
+            </a:schemeClr>
+          </a:solidFill>
+        </p:spPr>
+        <p:style>
+          <a:lnRef idx="2">
+            <a:schemeClr val="accent1">
+              <a:shade val="15000"/>
+            </a:schemeClr>
+          </a:lnRef>
+          <a:fillRef idx="1">
+            <a:schemeClr val="accent1"/>
+          </a:fillRef>
+          <a:effectRef idx="0">
+            <a:schemeClr val="accent1"/>
+          </a:effectRef>
+          <a:fontRef idx="minor">
+            <a:schemeClr val="lt1"/>
+          </a:fontRef>
+        </p:style>
+        <p:txBody>
+          <a:bodyPr rtlCol="0" anchor="ctr"/>
+          <a:lstStyle/>
+          <a:p>
+            <a:pPr algn="ctr"/>
+            <a:endParaRPr lang="pt-BR" dirty="0"/>
+          </a:p>
+        </p:txBody>
+      </p:sp>
+      <p:sp>
+        <p:nvSpPr>
+          <p:cNvPr id="4" name="CaixaDeTexto 3">
+            <a:extLst>
+              <a:ext uri="{FF2B5EF4-FFF2-40B4-BE49-F238E27FC236}">
+                <a16:creationId xmlns:a16="http://schemas.microsoft.com/office/drawing/2014/main" id="{243C671D-91F4-AEC8-FD4F-06E73D665DEB}"/>
+              </a:ext>
+            </a:extLst>
+          </p:cNvPr>
+          <p:cNvSpPr txBox="1"/>
+          <p:nvPr/>
+        </p:nvSpPr>
+        <p:spPr>
+          <a:xfrm>
+            <a:off x="0" y="6596390"/>
+            <a:ext cx="3161993" cy="261610"/>
+          </a:xfrm>
+          <a:prstGeom prst="rect">
+            <a:avLst/>
+          </a:prstGeom>
+          <a:noFill/>
+        </p:spPr>
+        <p:txBody>
+          <a:bodyPr wrap="square">
+            <a:spAutoFit/>
+          </a:bodyPr>
+          <a:lstStyle/>
+          <a:p>
+            <a:r>
+              <a:rPr lang="pt-BR" sz="1050" dirty="0"/>
+              <a:t>https://www.asimovinstitute.org/neural-network-zoo/</a:t>
+            </a:r>
+          </a:p>
+        </p:txBody>
+      </p:sp>
+      <p:sp>
+        <p:nvSpPr>
+          <p:cNvPr id="5" name="Espaço Reservado para Conteúdo 2">
+            <a:extLst>
+              <a:ext uri="{FF2B5EF4-FFF2-40B4-BE49-F238E27FC236}">
+                <a16:creationId xmlns:a16="http://schemas.microsoft.com/office/drawing/2014/main" id="{811CC485-7A65-DDBC-CD0F-35D7758C64E3}"/>
+              </a:ext>
+            </a:extLst>
+          </p:cNvPr>
+          <p:cNvSpPr>
+            <a:spLocks noGrp="1"/>
+          </p:cNvSpPr>
+          <p:nvPr>
+            <p:ph idx="1"/>
+          </p:nvPr>
+        </p:nvSpPr>
+        <p:spPr>
+          <a:xfrm>
+            <a:off x="6543676" y="1695451"/>
+            <a:ext cx="5572124" cy="5162550"/>
+          </a:xfrm>
+        </p:spPr>
+        <p:txBody>
+          <a:bodyPr>
+            <a:normAutofit fontScale="92500" lnSpcReduction="20000"/>
+          </a:bodyPr>
+          <a:lstStyle/>
+          <a:p>
+            <a:r>
+              <a:rPr lang="pt-BR" b="1" dirty="0" err="1"/>
+              <a:t>AEs</a:t>
+            </a:r>
+            <a:r>
+              <a:rPr lang="pt-BR" dirty="0"/>
+              <a:t>: os </a:t>
+            </a:r>
+            <a:r>
+              <a:rPr lang="pt-BR" i="1" dirty="0" err="1"/>
+              <a:t>autoencoders</a:t>
+            </a:r>
+            <a:r>
+              <a:rPr lang="pt-BR" dirty="0"/>
+              <a:t> </a:t>
+            </a:r>
+            <a:r>
+              <a:rPr lang="pt-BR" b="0" i="0" dirty="0">
+                <a:effectLst/>
+              </a:rPr>
+              <a:t>têm como objetivo aprender uma </a:t>
+            </a:r>
+            <a:r>
+              <a:rPr lang="pt-BR" b="1" i="1" dirty="0">
+                <a:effectLst/>
+              </a:rPr>
+              <a:t>representação latente</a:t>
+            </a:r>
+            <a:r>
+              <a:rPr lang="pt-BR" dirty="0">
+                <a:effectLst/>
+              </a:rPr>
+              <a:t> (i.e., características importantes, ma</a:t>
+            </a:r>
+            <a:r>
+              <a:rPr lang="pt-BR" dirty="0"/>
+              <a:t>s ocultas) </a:t>
+            </a:r>
+            <a:r>
+              <a:rPr lang="pt-BR" b="0" i="0" dirty="0">
+                <a:effectLst/>
+              </a:rPr>
+              <a:t>dos dados de entrada.</a:t>
+            </a:r>
+          </a:p>
+          <a:p>
+            <a:r>
+              <a:rPr lang="pt-BR" b="0" i="0" dirty="0">
+                <a:effectLst/>
+              </a:rPr>
+              <a:t>Consistem em duas partes: o </a:t>
+            </a:r>
+            <a:r>
+              <a:rPr lang="pt-BR" b="1" i="1" dirty="0">
+                <a:effectLst/>
+              </a:rPr>
+              <a:t>codificador</a:t>
+            </a:r>
+            <a:r>
+              <a:rPr lang="pt-BR" b="0" i="0" dirty="0">
+                <a:effectLst/>
+              </a:rPr>
+              <a:t>, que mapeia os dados de entrada para uma representação latente (de maior ou menor dimensão), e o </a:t>
+            </a:r>
+            <a:r>
+              <a:rPr lang="pt-BR" b="1" i="1" dirty="0">
+                <a:effectLst/>
+              </a:rPr>
+              <a:t>decodificador</a:t>
+            </a:r>
+            <a:r>
+              <a:rPr lang="pt-BR" b="0" i="0" dirty="0">
+                <a:effectLst/>
+              </a:rPr>
+              <a:t>, que reconstrói os dados originais a partir da representação latente.</a:t>
+            </a:r>
+            <a:endParaRPr lang="pt-BR" dirty="0"/>
+          </a:p>
+          <a:p>
+            <a:r>
+              <a:rPr lang="pt-BR" dirty="0"/>
+              <a:t>S</a:t>
+            </a:r>
+            <a:r>
+              <a:rPr lang="pt-BR" b="0" i="0" dirty="0">
+                <a:effectLst/>
+              </a:rPr>
+              <a:t>ão usados em tarefas de redução de dimensionalidade, remoção de ruído, compressão de dados, geração de dados sintéticos e </a:t>
+            </a:r>
+            <a:r>
+              <a:rPr lang="pt-BR" dirty="0"/>
+              <a:t>redundância.</a:t>
+            </a:r>
+          </a:p>
+        </p:txBody>
+      </p:sp>
+    </p:spTree>
+    <p:extLst>
+      <p:ext uri="{BB962C8B-B14F-4D97-AF65-F5344CB8AC3E}">
+        <p14:creationId xmlns:p14="http://schemas.microsoft.com/office/powerpoint/2010/main" val="4201956743"/>
+      </p:ext>
+    </p:extLst>
+  </p:cSld>
+  <p:clrMapOvr>
+    <a:masterClrMapping/>
+  </p:clrMapOvr>
+</p:sld>
+</file>
+
+<file path=ppt/slides/slide17.xml><?xml version="1.0" encoding="utf-8"?>
+<p:sld xmlns:a="http://schemas.openxmlformats.org/drawingml/2006/main" xmlns:r="http://schemas.openxmlformats.org/officeDocument/2006/relationships" xmlns:p="http://schemas.openxmlformats.org/presentationml/2006/main">
+  <p:cSld>
+    <p:spTree>
+      <p:nvGrpSpPr>
+        <p:cNvPr id="1" name=""/>
+        <p:cNvGrpSpPr/>
+        <p:nvPr/>
+      </p:nvGrpSpPr>
+      <p:grpSpPr>
+        <a:xfrm>
+          <a:off x="0" y="0"/>
+          <a:ext cx="0" cy="0"/>
+          <a:chOff x="0" y="0"/>
+          <a:chExt cx="0" cy="0"/>
+        </a:xfrm>
+      </p:grpSpPr>
+      <p:sp>
+        <p:nvSpPr>
+          <p:cNvPr id="2" name="Título 1">
+            <a:extLst>
+              <a:ext uri="{FF2B5EF4-FFF2-40B4-BE49-F238E27FC236}">
+                <a16:creationId xmlns:a16="http://schemas.microsoft.com/office/drawing/2014/main" id="{C2E677E9-E8F3-6C52-3B30-5C445D679097}"/>
+              </a:ext>
+            </a:extLst>
+          </p:cNvPr>
+          <p:cNvSpPr>
+            <a:spLocks noGrp="1"/>
+          </p:cNvSpPr>
+          <p:nvPr>
+            <p:ph type="title"/>
+          </p:nvPr>
+        </p:nvSpPr>
+        <p:spPr>
+          <a:xfrm>
+            <a:off x="833861" y="98422"/>
+            <a:ext cx="10515600" cy="1325563"/>
+          </a:xfrm>
+        </p:spPr>
+        <p:txBody>
+          <a:bodyPr/>
+          <a:lstStyle/>
+          <a:p>
+            <a:r>
+              <a:rPr lang="pt-BR" dirty="0"/>
+              <a:t>Topologias de redes neurais artificiais</a:t>
+            </a:r>
+          </a:p>
+        </p:txBody>
+      </p:sp>
+      <p:sp>
+        <p:nvSpPr>
+          <p:cNvPr id="4" name="CaixaDeTexto 3">
+            <a:extLst>
+              <a:ext uri="{FF2B5EF4-FFF2-40B4-BE49-F238E27FC236}">
+                <a16:creationId xmlns:a16="http://schemas.microsoft.com/office/drawing/2014/main" id="{243C671D-91F4-AEC8-FD4F-06E73D665DEB}"/>
+              </a:ext>
+            </a:extLst>
+          </p:cNvPr>
+          <p:cNvSpPr txBox="1"/>
+          <p:nvPr/>
+        </p:nvSpPr>
+        <p:spPr>
+          <a:xfrm>
+            <a:off x="0" y="6596390"/>
+            <a:ext cx="3161993" cy="261610"/>
+          </a:xfrm>
+          <a:prstGeom prst="rect">
+            <a:avLst/>
+          </a:prstGeom>
+          <a:noFill/>
+        </p:spPr>
+        <p:txBody>
+          <a:bodyPr wrap="square">
+            <a:spAutoFit/>
+          </a:bodyPr>
+          <a:lstStyle/>
+          <a:p>
+            <a:r>
+              <a:rPr lang="pt-BR" sz="1050" dirty="0"/>
+              <a:t>https://www.asimovinstitute.org/neural-network-zoo/</a:t>
+            </a:r>
+          </a:p>
+        </p:txBody>
+      </p:sp>
+      <p:sp>
+        <p:nvSpPr>
+          <p:cNvPr id="5" name="Espaço Reservado para Conteúdo 2">
+            <a:extLst>
+              <a:ext uri="{FF2B5EF4-FFF2-40B4-BE49-F238E27FC236}">
+                <a16:creationId xmlns:a16="http://schemas.microsoft.com/office/drawing/2014/main" id="{811CC485-7A65-DDBC-CD0F-35D7758C64E3}"/>
+              </a:ext>
+            </a:extLst>
+          </p:cNvPr>
+          <p:cNvSpPr>
+            <a:spLocks noGrp="1"/>
+          </p:cNvSpPr>
+          <p:nvPr>
+            <p:ph idx="1"/>
+          </p:nvPr>
+        </p:nvSpPr>
+        <p:spPr>
+          <a:xfrm>
+            <a:off x="6543675" y="1528925"/>
+            <a:ext cx="5497194" cy="5329075"/>
+          </a:xfrm>
+        </p:spPr>
+        <p:txBody>
+          <a:bodyPr>
+            <a:normAutofit lnSpcReduction="10000"/>
+          </a:bodyPr>
+          <a:lstStyle/>
+          <a:p>
+            <a:r>
+              <a:rPr lang="pt-BR" b="1" dirty="0" err="1"/>
+              <a:t>GANs</a:t>
+            </a:r>
+            <a:r>
+              <a:rPr lang="pt-BR" dirty="0"/>
+              <a:t>: ou redes adversárias generativas, </a:t>
+            </a:r>
+            <a:r>
+              <a:rPr lang="pt-BR" b="0" i="0" dirty="0">
+                <a:effectLst/>
+              </a:rPr>
+              <a:t>são um tipo especial de rede neural que consiste em </a:t>
+            </a:r>
+            <a:r>
+              <a:rPr lang="pt-BR" b="1" i="1" dirty="0">
+                <a:effectLst/>
+              </a:rPr>
+              <a:t>duas redes em competição</a:t>
+            </a:r>
+            <a:r>
+              <a:rPr lang="pt-BR" b="0" i="0" dirty="0">
+                <a:effectLst/>
+              </a:rPr>
+              <a:t>: o </a:t>
+            </a:r>
+            <a:r>
+              <a:rPr lang="pt-BR" b="1" i="1" dirty="0">
+                <a:effectLst/>
+              </a:rPr>
+              <a:t>gerador</a:t>
+            </a:r>
+            <a:r>
+              <a:rPr lang="pt-BR" b="0" i="0" dirty="0">
+                <a:effectLst/>
+              </a:rPr>
+              <a:t> e o </a:t>
+            </a:r>
+            <a:r>
+              <a:rPr lang="pt-BR" b="1" i="1" dirty="0">
+                <a:effectLst/>
+              </a:rPr>
+              <a:t>discriminador</a:t>
+            </a:r>
+            <a:r>
+              <a:rPr lang="pt-BR" b="0" i="0" dirty="0">
+                <a:effectLst/>
+              </a:rPr>
+              <a:t>.</a:t>
+            </a:r>
+          </a:p>
+          <a:p>
+            <a:r>
+              <a:rPr lang="pt-BR" b="0" i="0" dirty="0">
+                <a:effectLst/>
+              </a:rPr>
+              <a:t>O gerador cria dados sintéticos que se assemelham aos dados reais, enquanto o discriminador tenta distinguir entre os dados reais e os dados gerados pelo gerador. </a:t>
+            </a:r>
+            <a:endParaRPr lang="pt-BR" dirty="0"/>
+          </a:p>
+          <a:p>
+            <a:r>
+              <a:rPr lang="pt-BR" dirty="0"/>
+              <a:t>S</a:t>
+            </a:r>
+            <a:r>
+              <a:rPr lang="pt-BR" b="0" i="0" dirty="0">
+                <a:effectLst/>
+              </a:rPr>
+              <a:t>ão usadas para geração de imagens, vídeos e sons realistas, e </a:t>
+            </a:r>
+            <a:r>
+              <a:rPr lang="pt-BR" dirty="0"/>
+              <a:t>em tar</a:t>
+            </a:r>
+            <a:r>
+              <a:rPr lang="pt-BR" b="0" i="0" dirty="0">
+                <a:effectLst/>
+              </a:rPr>
+              <a:t>efas de geração de dados sintéticos.</a:t>
+            </a:r>
+            <a:endParaRPr lang="pt-BR" dirty="0"/>
+          </a:p>
+        </p:txBody>
+      </p:sp>
+      <p:pic>
+        <p:nvPicPr>
+          <p:cNvPr id="6" name="Picture 2">
+            <a:extLst>
+              <a:ext uri="{FF2B5EF4-FFF2-40B4-BE49-F238E27FC236}">
+                <a16:creationId xmlns:a16="http://schemas.microsoft.com/office/drawing/2014/main" id="{59CEDE86-0717-C6A7-1FE4-075C233B00D8}"/>
+              </a:ext>
+            </a:extLst>
+          </p:cNvPr>
+          <p:cNvPicPr>
+            <a:picLocks noChangeAspect="1" noChangeArrowheads="1"/>
+          </p:cNvPicPr>
+          <p:nvPr/>
+        </p:nvPicPr>
+        <p:blipFill rotWithShape="1">
+          <a:blip r:embed="rId3">
+            <a:extLst>
+              <a:ext uri="{28A0092B-C50C-407E-A947-70E740481C1C}">
+                <a14:useLocalDpi xmlns:a14="http://schemas.microsoft.com/office/drawing/2010/main" val="0"/>
+              </a:ext>
+            </a:extLst>
+          </a:blip>
+          <a:srcRect l="1828" t="49167" r="1974" b="1945"/>
+          <a:stretch/>
+        </p:blipFill>
+        <p:spPr bwMode="auto">
+          <a:xfrm>
+            <a:off x="424286" y="1528925"/>
+            <a:ext cx="5743575" cy="4962525"/>
+          </a:xfrm>
+          <a:prstGeom prst="rect">
+            <a:avLst/>
+          </a:prstGeom>
+          <a:noFill/>
+          <a:extLst>
+            <a:ext uri="{909E8E84-426E-40DD-AFC4-6F175D3DCCD1}">
+              <a14:hiddenFill xmlns:a14="http://schemas.microsoft.com/office/drawing/2010/main">
+                <a:solidFill>
+                  <a:srgbClr val="FFFFFF"/>
+                </a:solidFill>
+              </a14:hiddenFill>
+            </a:ext>
+          </a:extLst>
+        </p:spPr>
+      </p:pic>
+      <p:sp>
+        <p:nvSpPr>
+          <p:cNvPr id="7" name="Retângulo: Cantos Arredondados 6">
+            <a:extLst>
+              <a:ext uri="{FF2B5EF4-FFF2-40B4-BE49-F238E27FC236}">
+                <a16:creationId xmlns:a16="http://schemas.microsoft.com/office/drawing/2014/main" id="{808C64A3-9AD8-F012-B4A7-DB45F1C70B25}"/>
+              </a:ext>
+            </a:extLst>
+          </p:cNvPr>
+          <p:cNvSpPr/>
+          <p:nvPr/>
+        </p:nvSpPr>
+        <p:spPr>
+          <a:xfrm>
+            <a:off x="342900" y="2924175"/>
+            <a:ext cx="1847850" cy="1057275"/>
+          </a:xfrm>
+          <a:prstGeom prst="roundRect">
+            <a:avLst/>
+          </a:prstGeom>
+          <a:solidFill>
+            <a:schemeClr val="accent1">
+              <a:alpha val="64000"/>
+            </a:schemeClr>
+          </a:solidFill>
+        </p:spPr>
+        <p:style>
+          <a:lnRef idx="2">
+            <a:schemeClr val="accent1">
+              <a:shade val="15000"/>
+            </a:schemeClr>
+          </a:lnRef>
+          <a:fillRef idx="1">
+            <a:schemeClr val="accent1"/>
+          </a:fillRef>
+          <a:effectRef idx="0">
+            <a:schemeClr val="accent1"/>
+          </a:effectRef>
+          <a:fontRef idx="minor">
+            <a:schemeClr val="lt1"/>
+          </a:fontRef>
+        </p:style>
+        <p:txBody>
+          <a:bodyPr rtlCol="0" anchor="ctr"/>
+          <a:lstStyle/>
+          <a:p>
+            <a:pPr algn="ctr"/>
+            <a:endParaRPr lang="pt-BR" dirty="0"/>
+          </a:p>
+        </p:txBody>
+      </p:sp>
+    </p:spTree>
+    <p:extLst>
+      <p:ext uri="{BB962C8B-B14F-4D97-AF65-F5344CB8AC3E}">
+        <p14:creationId xmlns:p14="http://schemas.microsoft.com/office/powerpoint/2010/main" val="25644829"/>
+      </p:ext>
+    </p:extLst>
+  </p:cSld>
+  <p:clrMapOvr>
+    <a:masterClrMapping/>
+  </p:clrMapOvr>
+</p:sld>
+</file>
+
+<file path=ppt/slides/slide18.xml><?xml version="1.0" encoding="utf-8"?>
+<p:sld xmlns:a="http://schemas.openxmlformats.org/drawingml/2006/main" xmlns:r="http://schemas.openxmlformats.org/officeDocument/2006/relationships" xmlns:p="http://schemas.openxmlformats.org/presentationml/2006/main">
+  <p:cSld>
+    <p:spTree>
+      <p:nvGrpSpPr>
+        <p:cNvPr id="1" name=""/>
+        <p:cNvGrpSpPr/>
+        <p:nvPr/>
+      </p:nvGrpSpPr>
+      <p:grpSpPr>
+        <a:xfrm>
+          <a:off x="0" y="0"/>
+          <a:ext cx="0" cy="0"/>
+          <a:chOff x="0" y="0"/>
+          <a:chExt cx="0" cy="0"/>
+        </a:xfrm>
+      </p:grpSpPr>
+      <p:sp>
+        <p:nvSpPr>
+          <p:cNvPr id="2" name="Título 1">
+            <a:extLst>
+              <a:ext uri="{FF2B5EF4-FFF2-40B4-BE49-F238E27FC236}">
+                <a16:creationId xmlns:a16="http://schemas.microsoft.com/office/drawing/2014/main" id="{C2E677E9-E8F3-6C52-3B30-5C445D679097}"/>
+              </a:ext>
+            </a:extLst>
+          </p:cNvPr>
+          <p:cNvSpPr>
+            <a:spLocks noGrp="1"/>
+          </p:cNvSpPr>
+          <p:nvPr>
+            <p:ph type="title"/>
+          </p:nvPr>
+        </p:nvSpPr>
+        <p:spPr>
+          <a:xfrm>
+            <a:off x="833861" y="98422"/>
+            <a:ext cx="10515600" cy="1325563"/>
+          </a:xfrm>
+        </p:spPr>
+        <p:txBody>
+          <a:bodyPr/>
+          <a:lstStyle/>
+          <a:p>
+            <a:r>
+              <a:rPr lang="pt-BR" dirty="0"/>
+              <a:t>Topologias de redes neurais artificiais</a:t>
+            </a:r>
+          </a:p>
+        </p:txBody>
+      </p:sp>
+      <p:sp>
+        <p:nvSpPr>
+          <p:cNvPr id="4" name="CaixaDeTexto 3">
+            <a:extLst>
+              <a:ext uri="{FF2B5EF4-FFF2-40B4-BE49-F238E27FC236}">
+                <a16:creationId xmlns:a16="http://schemas.microsoft.com/office/drawing/2014/main" id="{243C671D-91F4-AEC8-FD4F-06E73D665DEB}"/>
+              </a:ext>
+            </a:extLst>
+          </p:cNvPr>
+          <p:cNvSpPr txBox="1"/>
+          <p:nvPr/>
+        </p:nvSpPr>
+        <p:spPr>
+          <a:xfrm>
+            <a:off x="0" y="6596390"/>
+            <a:ext cx="3161993" cy="261610"/>
+          </a:xfrm>
+          <a:prstGeom prst="rect">
+            <a:avLst/>
+          </a:prstGeom>
+          <a:noFill/>
+        </p:spPr>
+        <p:txBody>
+          <a:bodyPr wrap="square">
+            <a:spAutoFit/>
+          </a:bodyPr>
+          <a:lstStyle/>
+          <a:p>
+            <a:r>
+              <a:rPr lang="pt-BR" sz="1050" dirty="0"/>
+              <a:t>https://www.asimovinstitute.org/neural-network-zoo/</a:t>
+            </a:r>
+          </a:p>
+        </p:txBody>
+      </p:sp>
+      <p:sp>
+        <p:nvSpPr>
+          <p:cNvPr id="5" name="Espaço Reservado para Conteúdo 2">
+            <a:extLst>
+              <a:ext uri="{FF2B5EF4-FFF2-40B4-BE49-F238E27FC236}">
+                <a16:creationId xmlns:a16="http://schemas.microsoft.com/office/drawing/2014/main" id="{811CC485-7A65-DDBC-CD0F-35D7758C64E3}"/>
+              </a:ext>
+            </a:extLst>
+          </p:cNvPr>
+          <p:cNvSpPr>
+            <a:spLocks noGrp="1"/>
+          </p:cNvSpPr>
+          <p:nvPr>
+            <p:ph idx="1"/>
+          </p:nvPr>
+        </p:nvSpPr>
+        <p:spPr>
+          <a:xfrm>
+            <a:off x="6410325" y="1528925"/>
+            <a:ext cx="5630543" cy="5329075"/>
+          </a:xfrm>
+        </p:spPr>
+        <p:txBody>
+          <a:bodyPr>
+            <a:normAutofit/>
+          </a:bodyPr>
+          <a:lstStyle/>
+          <a:p>
+            <a:r>
+              <a:rPr lang="pt-BR" b="1" dirty="0" err="1"/>
+              <a:t>ANs</a:t>
+            </a:r>
+            <a:r>
+              <a:rPr lang="pt-BR" dirty="0"/>
+              <a:t>: ou redes de atenção, </a:t>
+            </a:r>
+          </a:p>
+          <a:p>
+            <a:endParaRPr lang="pt-BR" dirty="0"/>
+          </a:p>
+          <a:p>
+            <a:endParaRPr lang="pt-BR" dirty="0"/>
+          </a:p>
+          <a:p>
+            <a:endParaRPr lang="pt-BR" dirty="0"/>
+          </a:p>
+          <a:p>
+            <a:endParaRPr lang="pt-BR" dirty="0"/>
+          </a:p>
+          <a:p>
+            <a:r>
+              <a:rPr lang="pt-BR" dirty="0"/>
+              <a:t>S</a:t>
+            </a:r>
+            <a:r>
+              <a:rPr lang="pt-BR" b="0" i="0" dirty="0">
+                <a:effectLst/>
+              </a:rPr>
+              <a:t>ão usadas em tarefas que envolvem sequências de dados, como tradução automática, processamento de linguagem natural e reconhecimento de fala. </a:t>
+            </a:r>
+            <a:endParaRPr lang="pt-BR" dirty="0"/>
+          </a:p>
+        </p:txBody>
+      </p:sp>
+      <p:pic>
+        <p:nvPicPr>
+          <p:cNvPr id="6" name="Picture 2">
+            <a:extLst>
+              <a:ext uri="{FF2B5EF4-FFF2-40B4-BE49-F238E27FC236}">
+                <a16:creationId xmlns:a16="http://schemas.microsoft.com/office/drawing/2014/main" id="{59CEDE86-0717-C6A7-1FE4-075C233B00D8}"/>
+              </a:ext>
+            </a:extLst>
+          </p:cNvPr>
+          <p:cNvPicPr>
+            <a:picLocks noChangeAspect="1" noChangeArrowheads="1"/>
+          </p:cNvPicPr>
+          <p:nvPr/>
+        </p:nvPicPr>
+        <p:blipFill rotWithShape="1">
+          <a:blip r:embed="rId3">
+            <a:extLst>
+              <a:ext uri="{28A0092B-C50C-407E-A947-70E740481C1C}">
+                <a14:useLocalDpi xmlns:a14="http://schemas.microsoft.com/office/drawing/2010/main" val="0"/>
+              </a:ext>
+            </a:extLst>
+          </a:blip>
+          <a:srcRect l="1828" t="49167" r="1974" b="1945"/>
+          <a:stretch/>
+        </p:blipFill>
+        <p:spPr bwMode="auto">
+          <a:xfrm>
+            <a:off x="348086" y="1528925"/>
+            <a:ext cx="5743575" cy="4962525"/>
+          </a:xfrm>
+          <a:prstGeom prst="rect">
+            <a:avLst/>
+          </a:prstGeom>
+          <a:noFill/>
+          <a:extLst>
+            <a:ext uri="{909E8E84-426E-40DD-AFC4-6F175D3DCCD1}">
+              <a14:hiddenFill xmlns:a14="http://schemas.microsoft.com/office/drawing/2010/main">
+                <a:solidFill>
+                  <a:srgbClr val="FFFFFF"/>
+                </a:solidFill>
+              </a14:hiddenFill>
+            </a:ext>
+          </a:extLst>
+        </p:spPr>
+      </p:pic>
+      <p:sp>
+        <p:nvSpPr>
+          <p:cNvPr id="7" name="Retângulo: Cantos Arredondados 6">
+            <a:extLst>
+              <a:ext uri="{FF2B5EF4-FFF2-40B4-BE49-F238E27FC236}">
+                <a16:creationId xmlns:a16="http://schemas.microsoft.com/office/drawing/2014/main" id="{808C64A3-9AD8-F012-B4A7-DB45F1C70B25}"/>
+              </a:ext>
+            </a:extLst>
+          </p:cNvPr>
+          <p:cNvSpPr/>
+          <p:nvPr/>
+        </p:nvSpPr>
+        <p:spPr>
+          <a:xfrm>
+            <a:off x="4171949" y="5410200"/>
+            <a:ext cx="2028825" cy="1176665"/>
+          </a:xfrm>
+          <a:prstGeom prst="roundRect">
+            <a:avLst/>
+          </a:prstGeom>
+          <a:solidFill>
+            <a:schemeClr val="accent1">
+              <a:alpha val="64000"/>
+            </a:schemeClr>
+          </a:solidFill>
+        </p:spPr>
+        <p:style>
+          <a:lnRef idx="2">
+            <a:schemeClr val="accent1">
+              <a:shade val="15000"/>
+            </a:schemeClr>
+          </a:lnRef>
+          <a:fillRef idx="1">
+            <a:schemeClr val="accent1"/>
+          </a:fillRef>
+          <a:effectRef idx="0">
+            <a:schemeClr val="accent1"/>
+          </a:effectRef>
+          <a:fontRef idx="minor">
+            <a:schemeClr val="lt1"/>
+          </a:fontRef>
+        </p:style>
+        <p:txBody>
+          <a:bodyPr rtlCol="0" anchor="ctr"/>
+          <a:lstStyle/>
+          <a:p>
+            <a:pPr algn="ctr"/>
+            <a:endParaRPr lang="pt-BR" dirty="0"/>
+          </a:p>
+        </p:txBody>
+      </p:sp>
+    </p:spTree>
+    <p:extLst>
+      <p:ext uri="{BB962C8B-B14F-4D97-AF65-F5344CB8AC3E}">
+        <p14:creationId xmlns:p14="http://schemas.microsoft.com/office/powerpoint/2010/main" val="9218944"/>
+      </p:ext>
+    </p:extLst>
+  </p:cSld>
+  <p:clrMapOvr>
+    <a:masterClrMapping/>
+  </p:clrMapOvr>
+</p:sld>
+</file>
+
+<file path=ppt/slides/slide19.xml><?xml version="1.0" encoding="utf-8"?>
+<p:sld xmlns:a="http://schemas.openxmlformats.org/drawingml/2006/main" xmlns:r="http://schemas.openxmlformats.org/officeDocument/2006/relationships" xmlns:p="http://schemas.openxmlformats.org/presentationml/2006/main">
+  <p:cSld>
+    <p:spTree>
+      <p:nvGrpSpPr>
+        <p:cNvPr id="1" name=""/>
+        <p:cNvGrpSpPr/>
+        <p:nvPr/>
+      </p:nvGrpSpPr>
+      <p:grpSpPr>
+        <a:xfrm>
+          <a:off x="0" y="0"/>
+          <a:ext cx="0" cy="0"/>
+          <a:chOff x="0" y="0"/>
+          <a:chExt cx="0" cy="0"/>
+        </a:xfrm>
+      </p:grpSpPr>
+      <p:sp>
+        <p:nvSpPr>
+          <p:cNvPr id="2" name="Título 1">
+            <a:extLst>
+              <a:ext uri="{FF2B5EF4-FFF2-40B4-BE49-F238E27FC236}">
+                <a16:creationId xmlns:a16="http://schemas.microsoft.com/office/drawing/2014/main" id="{EA4331A9-9612-3D57-FEDF-C66B2C05B5C4}"/>
+              </a:ext>
+            </a:extLst>
+          </p:cNvPr>
+          <p:cNvSpPr>
+            <a:spLocks noGrp="1"/>
+          </p:cNvSpPr>
+          <p:nvPr>
+            <p:ph type="title"/>
+          </p:nvPr>
+        </p:nvSpPr>
         <p:spPr/>
         <p:txBody>
           <a:bodyPr/>
@@ -5701,7 +8496,7 @@
           <p:cNvPr id="3" name="Espaço Reservado para Conteúdo 2">
             <a:extLst>
               <a:ext uri="{FF2B5EF4-FFF2-40B4-BE49-F238E27FC236}">
-                <a16:creationId xmlns:a16="http://schemas.microsoft.com/office/drawing/2014/main" id="{6E5310F0-37F7-02F2-0BD3-8B572778E7D4}"/>
+                <a16:creationId xmlns:a16="http://schemas.microsoft.com/office/drawing/2014/main" id="{B49A9320-ECA7-E94E-B324-3D5F4F46098E}"/>
               </a:ext>
             </a:extLst>
           </p:cNvPr>
@@ -5724,7 +8519,7 @@
     </p:spTree>
     <p:extLst>
       <p:ext uri="{BB962C8B-B14F-4D97-AF65-F5344CB8AC3E}">
-        <p14:creationId xmlns:p14="http://schemas.microsoft.com/office/powerpoint/2010/main" val="2363009718"/>
+        <p14:creationId xmlns:p14="http://schemas.microsoft.com/office/powerpoint/2010/main" val="3263939976"/>
       </p:ext>
     </p:extLst>
   </p:cSld>
@@ -5734,7 +8529,318 @@
 </p:sld>
 </file>
 
-<file path=ppt/slides/slide13.xml><?xml version="1.0" encoding="utf-8"?>
+<file path=ppt/slides/slide2.xml><?xml version="1.0" encoding="utf-8"?>
+<p:sld xmlns:a="http://schemas.openxmlformats.org/drawingml/2006/main" xmlns:r="http://schemas.openxmlformats.org/officeDocument/2006/relationships" xmlns:p="http://schemas.openxmlformats.org/presentationml/2006/main">
+  <p:cSld>
+    <p:spTree>
+      <p:nvGrpSpPr>
+        <p:cNvPr id="1" name=""/>
+        <p:cNvGrpSpPr/>
+        <p:nvPr/>
+      </p:nvGrpSpPr>
+      <p:grpSpPr>
+        <a:xfrm>
+          <a:off x="0" y="0"/>
+          <a:ext cx="0" cy="0"/>
+          <a:chOff x="0" y="0"/>
+          <a:chExt cx="0" cy="0"/>
+        </a:xfrm>
+      </p:grpSpPr>
+      <p:sp>
+        <p:nvSpPr>
+          <p:cNvPr id="2" name="Título 1">
+            <a:extLst>
+              <a:ext uri="{FF2B5EF4-FFF2-40B4-BE49-F238E27FC236}">
+                <a16:creationId xmlns:a16="http://schemas.microsoft.com/office/drawing/2014/main" id="{EECB3FED-5D1A-7084-5333-A3B2FA75F608}"/>
+              </a:ext>
+            </a:extLst>
+          </p:cNvPr>
+          <p:cNvSpPr>
+            <a:spLocks noGrp="1"/>
+          </p:cNvSpPr>
+          <p:nvPr>
+            <p:ph type="title"/>
+          </p:nvPr>
+        </p:nvSpPr>
+        <p:spPr/>
+        <p:txBody>
+          <a:bodyPr/>
+          <a:lstStyle/>
+          <a:p>
+            <a:r>
+              <a:rPr lang="pt-BR" dirty="0"/>
+              <a:t>Desafios da execução de ML em sistemas embarcados</a:t>
+            </a:r>
+          </a:p>
+        </p:txBody>
+      </p:sp>
+      <p:sp>
+        <p:nvSpPr>
+          <p:cNvPr id="10" name="Espaço Reservado para Conteúdo 9">
+            <a:extLst>
+              <a:ext uri="{FF2B5EF4-FFF2-40B4-BE49-F238E27FC236}">
+                <a16:creationId xmlns:a16="http://schemas.microsoft.com/office/drawing/2014/main" id="{CAD93E95-B9C0-F72A-DC66-5932B3365C00}"/>
+              </a:ext>
+            </a:extLst>
+          </p:cNvPr>
+          <p:cNvSpPr>
+            <a:spLocks noGrp="1"/>
+          </p:cNvSpPr>
+          <p:nvPr>
+            <p:ph idx="1"/>
+          </p:nvPr>
+        </p:nvSpPr>
+        <p:spPr>
+          <a:xfrm>
+            <a:off x="6549044" y="1569146"/>
+            <a:ext cx="5414622" cy="5288854"/>
+          </a:xfrm>
+        </p:spPr>
+        <p:txBody>
+          <a:bodyPr>
+            <a:normAutofit/>
+          </a:bodyPr>
+          <a:lstStyle/>
+          <a:p>
+            <a:r>
+              <a:rPr lang="pt-BR" dirty="0"/>
+              <a:t>Anteriormente, falamos dos desafios encontrados quando usamos sistemas embarcados, i.e., limitações de HW e SW.</a:t>
+            </a:r>
+          </a:p>
+          <a:p>
+            <a:r>
+              <a:rPr lang="pt-BR" dirty="0"/>
+              <a:t>Agora, veremos os desafios para execução algoritmos de ML, mais especificamente de </a:t>
+            </a:r>
+            <a:r>
+              <a:rPr lang="pt-BR" i="1" dirty="0" err="1"/>
+              <a:t>Deep</a:t>
+            </a:r>
+            <a:r>
+              <a:rPr lang="pt-BR" i="1" dirty="0"/>
+              <a:t> Learning</a:t>
+            </a:r>
+            <a:r>
+              <a:rPr lang="pt-BR" dirty="0"/>
+              <a:t>, nestes dispositivos pequenos, com restrições de custo, recursos computacionais e consumo.</a:t>
+            </a:r>
+          </a:p>
+        </p:txBody>
+      </p:sp>
+      <p:grpSp>
+        <p:nvGrpSpPr>
+          <p:cNvPr id="4" name="Agrupar 3">
+            <a:extLst>
+              <a:ext uri="{FF2B5EF4-FFF2-40B4-BE49-F238E27FC236}">
+                <a16:creationId xmlns:a16="http://schemas.microsoft.com/office/drawing/2014/main" id="{35FD2549-26FC-7133-A127-D130ABECED2F}"/>
+              </a:ext>
+            </a:extLst>
+          </p:cNvPr>
+          <p:cNvGrpSpPr/>
+          <p:nvPr/>
+        </p:nvGrpSpPr>
+        <p:grpSpPr>
+          <a:xfrm>
+            <a:off x="851546" y="2090057"/>
+            <a:ext cx="5552534" cy="3744685"/>
+            <a:chOff x="851546" y="2090057"/>
+            <a:chExt cx="5552534" cy="3744685"/>
+          </a:xfrm>
+        </p:grpSpPr>
+        <p:pic>
+          <p:nvPicPr>
+            <p:cNvPr id="12" name="Imagem 11">
+              <a:extLst>
+                <a:ext uri="{FF2B5EF4-FFF2-40B4-BE49-F238E27FC236}">
+                  <a16:creationId xmlns:a16="http://schemas.microsoft.com/office/drawing/2014/main" id="{CEA739A8-9DDE-54DC-65C2-46F29815DD7C}"/>
+                </a:ext>
+              </a:extLst>
+            </p:cNvPr>
+            <p:cNvPicPr>
+              <a:picLocks noChangeAspect="1"/>
+            </p:cNvPicPr>
+            <p:nvPr/>
+          </p:nvPicPr>
+          <p:blipFill rotWithShape="1">
+            <a:blip r:embed="rId2"/>
+            <a:srcRect l="8982" t="2754" r="5837" b="2176"/>
+            <a:stretch/>
+          </p:blipFill>
+          <p:spPr>
+            <a:xfrm>
+              <a:off x="851546" y="2090057"/>
+              <a:ext cx="2630741" cy="3744685"/>
+            </a:xfrm>
+            <a:prstGeom prst="rect">
+              <a:avLst/>
+            </a:prstGeom>
+          </p:spPr>
+        </p:pic>
+        <p:sp>
+          <p:nvSpPr>
+            <p:cNvPr id="13" name="Seta: para a Direita 12">
+              <a:extLst>
+                <a:ext uri="{FF2B5EF4-FFF2-40B4-BE49-F238E27FC236}">
+                  <a16:creationId xmlns:a16="http://schemas.microsoft.com/office/drawing/2014/main" id="{A58B0515-7EE2-661F-8CF7-159A3180611C}"/>
+                </a:ext>
+              </a:extLst>
+            </p:cNvPr>
+            <p:cNvSpPr/>
+            <p:nvPr/>
+          </p:nvSpPr>
+          <p:spPr>
+            <a:xfrm>
+              <a:off x="3482287" y="3208791"/>
+              <a:ext cx="847044" cy="1230086"/>
+            </a:xfrm>
+            <a:prstGeom prst="rightArrow">
+              <a:avLst>
+                <a:gd name="adj1" fmla="val 50000"/>
+                <a:gd name="adj2" fmla="val 48645"/>
+              </a:avLst>
+            </a:prstGeom>
+          </p:spPr>
+          <p:style>
+            <a:lnRef idx="2">
+              <a:schemeClr val="accent1">
+                <a:shade val="15000"/>
+              </a:schemeClr>
+            </a:lnRef>
+            <a:fillRef idx="1">
+              <a:schemeClr val="accent1"/>
+            </a:fillRef>
+            <a:effectRef idx="0">
+              <a:schemeClr val="accent1"/>
+            </a:effectRef>
+            <a:fontRef idx="minor">
+              <a:schemeClr val="lt1"/>
+            </a:fontRef>
+          </p:style>
+          <p:txBody>
+            <a:bodyPr rtlCol="0" anchor="ctr"/>
+            <a:lstStyle/>
+            <a:p>
+              <a:pPr algn="ctr"/>
+              <a:endParaRPr lang="pt-BR"/>
+            </a:p>
+          </p:txBody>
+        </p:sp>
+        <p:sp>
+          <p:nvSpPr>
+            <p:cNvPr id="15" name="CaixaDeTexto 14">
+              <a:extLst>
+                <a:ext uri="{FF2B5EF4-FFF2-40B4-BE49-F238E27FC236}">
+                  <a16:creationId xmlns:a16="http://schemas.microsoft.com/office/drawing/2014/main" id="{28114B5B-9C22-66F7-D654-04DADEBD308B}"/>
+                </a:ext>
+              </a:extLst>
+            </p:cNvPr>
+            <p:cNvSpPr txBox="1"/>
+            <p:nvPr/>
+          </p:nvSpPr>
+          <p:spPr>
+            <a:xfrm>
+              <a:off x="4324909" y="3429000"/>
+              <a:ext cx="2079171" cy="769441"/>
+            </a:xfrm>
+            <a:prstGeom prst="rect">
+              <a:avLst/>
+            </a:prstGeom>
+            <a:noFill/>
+          </p:spPr>
+          <p:txBody>
+            <a:bodyPr wrap="square" rtlCol="0">
+              <a:spAutoFit/>
+            </a:bodyPr>
+            <a:lstStyle/>
+            <a:p>
+              <a:pPr algn="ctr"/>
+              <a:r>
+                <a:rPr lang="pt-BR" sz="4400" b="1" dirty="0" err="1">
+                  <a:solidFill>
+                    <a:schemeClr val="accent2"/>
+                  </a:solidFill>
+                </a:rPr>
+                <a:t>TinyML</a:t>
+              </a:r>
+              <a:endParaRPr lang="pt-BR" sz="4400" b="1" dirty="0">
+                <a:solidFill>
+                  <a:schemeClr val="accent2"/>
+                </a:solidFill>
+              </a:endParaRPr>
+            </a:p>
+          </p:txBody>
+        </p:sp>
+        <p:sp>
+          <p:nvSpPr>
+            <p:cNvPr id="3" name="Retângulo 2">
+              <a:extLst>
+                <a:ext uri="{FF2B5EF4-FFF2-40B4-BE49-F238E27FC236}">
+                  <a16:creationId xmlns:a16="http://schemas.microsoft.com/office/drawing/2014/main" id="{9E596047-C78C-BCD8-4D1B-94869D2F17B8}"/>
+                </a:ext>
+              </a:extLst>
+            </p:cNvPr>
+            <p:cNvSpPr/>
+            <p:nvPr/>
+          </p:nvSpPr>
+          <p:spPr>
+            <a:xfrm>
+              <a:off x="1014761" y="3735660"/>
+              <a:ext cx="2230244" cy="2099082"/>
+            </a:xfrm>
+            <a:prstGeom prst="rect">
+              <a:avLst/>
+            </a:prstGeom>
+            <a:solidFill>
+              <a:srgbClr val="FF0000">
+                <a:alpha val="21000"/>
+              </a:srgbClr>
+            </a:solidFill>
+            <a:ln w="38100">
+              <a:solidFill>
+                <a:srgbClr val="FF0000"/>
+              </a:solidFill>
+            </a:ln>
+          </p:spPr>
+          <p:style>
+            <a:lnRef idx="2">
+              <a:schemeClr val="accent1">
+                <a:shade val="15000"/>
+              </a:schemeClr>
+            </a:lnRef>
+            <a:fillRef idx="1">
+              <a:schemeClr val="accent1"/>
+            </a:fillRef>
+            <a:effectRef idx="0">
+              <a:schemeClr val="accent1"/>
+            </a:effectRef>
+            <a:fontRef idx="minor">
+              <a:schemeClr val="lt1"/>
+            </a:fontRef>
+          </p:style>
+          <p:txBody>
+            <a:bodyPr rtlCol="0" anchor="ctr"/>
+            <a:lstStyle/>
+            <a:p>
+              <a:pPr algn="ctr"/>
+              <a:endParaRPr lang="pt-BR"/>
+            </a:p>
+          </p:txBody>
+        </p:sp>
+      </p:grpSp>
+    </p:spTree>
+    <p:extLst>
+      <p:ext uri="{BB962C8B-B14F-4D97-AF65-F5344CB8AC3E}">
+        <p14:creationId xmlns:p14="http://schemas.microsoft.com/office/powerpoint/2010/main" val="2072074263"/>
+      </p:ext>
+    </p:extLst>
+  </p:cSld>
+  <p:clrMapOvr>
+    <a:masterClrMapping/>
+  </p:clrMapOvr>
+</p:sld>
+</file>
+
+<file path=ppt/slides/slide20.xml><?xml version="1.0" encoding="utf-8"?>
 <p:sld xmlns:a="http://schemas.openxmlformats.org/drawingml/2006/main" xmlns:r="http://schemas.openxmlformats.org/officeDocument/2006/relationships" xmlns:p="http://schemas.openxmlformats.org/presentationml/2006/main">
   <p:cSld>
     <p:spTree>
@@ -5797,7 +8903,34 @@
           <a:bodyPr/>
           <a:lstStyle/>
           <a:p>
-            <a:endParaRPr lang="pt-BR"/>
+            <a:r>
+              <a:rPr lang="pt-BR" dirty="0"/>
+              <a:t>A </a:t>
+            </a:r>
+            <a:r>
+              <a:rPr lang="pt-BR" b="1" i="1" dirty="0"/>
+              <a:t>complexidade computacional </a:t>
+            </a:r>
+            <a:r>
+              <a:rPr lang="pt-BR" dirty="0"/>
+              <a:t>de uma rede neural é </a:t>
+            </a:r>
+            <a:r>
+              <a:rPr lang="pt-BR" b="1" i="1" dirty="0"/>
+              <a:t>diretamente proporcional ao número de conexões</a:t>
+            </a:r>
+            <a:r>
+              <a:rPr lang="pt-BR" dirty="0"/>
+              <a:t>, portanto, quanto mais camadas e nós, mais memória e cálculos matemáticos são necessários e, consequentemente, maior será o </a:t>
+            </a:r>
+            <a:r>
+              <a:rPr lang="pt-BR" b="1" i="1" dirty="0"/>
+              <a:t>consumo de memória e energia</a:t>
+            </a:r>
+            <a:r>
+              <a:rPr lang="pt-BR" dirty="0"/>
+              <a:t>.</a:t>
+            </a:r>
           </a:p>
         </p:txBody>
       </p:sp>
@@ -5814,7 +8947,7 @@
 </p:sld>
 </file>
 
-<file path=ppt/slides/slide14.xml><?xml version="1.0" encoding="utf-8"?>
+<file path=ppt/slides/slide21.xml><?xml version="1.0" encoding="utf-8"?>
 <p:sld xmlns:a="http://schemas.openxmlformats.org/drawingml/2006/main" xmlns:r="http://schemas.openxmlformats.org/officeDocument/2006/relationships" xmlns:p="http://schemas.openxmlformats.org/presentationml/2006/main">
   <p:cSld>
     <p:spTree>
@@ -5894,7 +9027,7 @@
 </p:sld>
 </file>
 
-<file path=ppt/slides/slide15.xml><?xml version="1.0" encoding="utf-8"?>
+<file path=ppt/slides/slide22.xml><?xml version="1.0" encoding="utf-8"?>
 <p:sld xmlns:a="http://schemas.openxmlformats.org/drawingml/2006/main" xmlns:r="http://schemas.openxmlformats.org/officeDocument/2006/relationships" xmlns:p="http://schemas.openxmlformats.org/presentationml/2006/main">
   <p:cSld>
     <p:spTree>
@@ -5980,7 +9113,7 @@
 </p:sld>
 </file>
 
-<file path=ppt/slides/slide16.xml><?xml version="1.0" encoding="utf-8"?>
+<file path=ppt/slides/slide23.xml><?xml version="1.0" encoding="utf-8"?>
 <p:sld xmlns:a="http://schemas.openxmlformats.org/drawingml/2006/main" xmlns:r="http://schemas.openxmlformats.org/officeDocument/2006/relationships" xmlns:p="http://schemas.openxmlformats.org/presentationml/2006/main">
   <p:cSld>
     <p:spTree>
@@ -6066,7 +9199,7 @@
 </p:sld>
 </file>
 
-<file path=ppt/slides/slide17.xml><?xml version="1.0" encoding="utf-8"?>
+<file path=ppt/slides/slide24.xml><?xml version="1.0" encoding="utf-8"?>
 <p:sld xmlns:a="http://schemas.openxmlformats.org/drawingml/2006/main" xmlns:r="http://schemas.openxmlformats.org/officeDocument/2006/relationships" xmlns:p="http://schemas.openxmlformats.org/presentationml/2006/main">
   <p:cSld>
     <p:spTree>
@@ -6152,7 +9285,7 @@
 </p:sld>
 </file>
 
-<file path=ppt/slides/slide18.xml><?xml version="1.0" encoding="utf-8"?>
+<file path=ppt/slides/slide25.xml><?xml version="1.0" encoding="utf-8"?>
 <p:sld xmlns:a="http://schemas.openxmlformats.org/drawingml/2006/main" xmlns:r="http://schemas.openxmlformats.org/officeDocument/2006/relationships" xmlns:p="http://schemas.openxmlformats.org/presentationml/2006/main">
   <p:cSld>
     <p:spTree>
@@ -7336,8 +10469,8 @@
               </a:fontRef>
             </p:style>
           </p:cxnSp>
-          <mc:AlternateContent xmlns:mc="http://schemas.openxmlformats.org/markup-compatibility/2006">
-            <mc:Choice xmlns:a14="http://schemas.microsoft.com/office/drawing/2010/main" Requires="a14">
+          <mc:AlternateContent xmlns:mc="http://schemas.openxmlformats.org/markup-compatibility/2006" xmlns:a14="http://schemas.microsoft.com/office/drawing/2010/main">
+            <mc:Choice Requires="a14">
               <p:sp>
                 <p:nvSpPr>
                   <p:cNvPr id="17" name="Rectangle 5">
@@ -7387,7 +10520,7 @@
                 </p:txBody>
               </p:sp>
             </mc:Choice>
-            <mc:Fallback>
+            <mc:Fallback xmlns="">
               <p:sp>
                 <p:nvSpPr>
                   <p:cNvPr id="17" name="Rectangle 5">
@@ -7514,8 +10647,8 @@
               </a:fontRef>
             </p:style>
           </p:cxnSp>
-          <mc:AlternateContent xmlns:mc="http://schemas.openxmlformats.org/markup-compatibility/2006">
-            <mc:Choice xmlns:a14="http://schemas.microsoft.com/office/drawing/2010/main" Requires="a14">
+          <mc:AlternateContent xmlns:mc="http://schemas.openxmlformats.org/markup-compatibility/2006" xmlns:a14="http://schemas.microsoft.com/office/drawing/2010/main">
+            <mc:Choice Requires="a14">
               <p:sp>
                 <p:nvSpPr>
                   <p:cNvPr id="20" name="Rectangle 33">
@@ -7564,7 +10697,7 @@
                 </p:txBody>
               </p:sp>
             </mc:Choice>
-            <mc:Fallback>
+            <mc:Fallback xmlns="">
               <p:sp>
                 <p:nvSpPr>
                   <p:cNvPr id="20" name="Rectangle 33">
@@ -8112,7 +11245,7 @@
 </p:sld>
 </file>
 
-<file path=ppt/slides/slide19.xml><?xml version="1.0" encoding="utf-8"?>
+<file path=ppt/slides/slide26.xml><?xml version="1.0" encoding="utf-8"?>
 <p:sld xmlns:a="http://schemas.openxmlformats.org/drawingml/2006/main" xmlns:r="http://schemas.openxmlformats.org/officeDocument/2006/relationships" xmlns:p="http://schemas.openxmlformats.org/presentationml/2006/main">
   <p:cSld>
     <p:spTree>
@@ -8344,8 +11477,8 @@
             </a:fontRef>
           </p:style>
         </p:cxnSp>
-        <mc:AlternateContent xmlns:mc="http://schemas.openxmlformats.org/markup-compatibility/2006">
-          <mc:Choice xmlns:a14="http://schemas.microsoft.com/office/drawing/2010/main" Requires="a14">
+        <mc:AlternateContent xmlns:mc="http://schemas.openxmlformats.org/markup-compatibility/2006" xmlns:a14="http://schemas.microsoft.com/office/drawing/2010/main">
+          <mc:Choice Requires="a14">
             <p:sp>
               <p:nvSpPr>
                 <p:cNvPr id="23" name="Rectangle 22"/>
@@ -8407,7 +11540,7 @@
               </p:txBody>
             </p:sp>
           </mc:Choice>
-          <mc:Fallback>
+          <mc:Fallback xmlns="">
             <p:sp>
               <p:nvSpPr>
                 <p:cNvPr id="23" name="Rectangle 22"/>
@@ -8482,8 +11615,8 @@
             </a:fontRef>
           </p:style>
         </p:cxnSp>
-        <mc:AlternateContent xmlns:mc="http://schemas.openxmlformats.org/markup-compatibility/2006">
-          <mc:Choice xmlns:a14="http://schemas.microsoft.com/office/drawing/2010/main" Requires="a14">
+        <mc:AlternateContent xmlns:mc="http://schemas.openxmlformats.org/markup-compatibility/2006" xmlns:a14="http://schemas.microsoft.com/office/drawing/2010/main">
+          <mc:Choice Requires="a14">
             <p:sp>
               <p:nvSpPr>
                 <p:cNvPr id="35" name="Rectangle 34"/>
@@ -8545,7 +11678,7 @@
               </p:txBody>
             </p:sp>
           </mc:Choice>
-          <mc:Fallback>
+          <mc:Fallback xmlns="">
             <p:sp>
               <p:nvSpPr>
                 <p:cNvPr id="35" name="Rectangle 34"/>
@@ -8584,8 +11717,8 @@
             </p:sp>
           </mc:Fallback>
         </mc:AlternateContent>
-        <mc:AlternateContent xmlns:mc="http://schemas.openxmlformats.org/markup-compatibility/2006">
-          <mc:Choice xmlns:a14="http://schemas.microsoft.com/office/drawing/2010/main" Requires="a14">
+        <mc:AlternateContent xmlns:mc="http://schemas.openxmlformats.org/markup-compatibility/2006" xmlns:a14="http://schemas.microsoft.com/office/drawing/2010/main">
+          <mc:Choice Requires="a14">
             <p:sp>
               <p:nvSpPr>
                 <p:cNvPr id="36" name="Rectangle 35"/>
@@ -8647,7 +11780,7 @@
               </p:txBody>
             </p:sp>
           </mc:Choice>
-          <mc:Fallback>
+          <mc:Fallback xmlns="">
             <p:sp>
               <p:nvSpPr>
                 <p:cNvPr id="36" name="Rectangle 35"/>
@@ -8724,8 +11857,8 @@
             </a:fontRef>
           </p:style>
         </p:cxnSp>
-        <mc:AlternateContent xmlns:mc="http://schemas.openxmlformats.org/markup-compatibility/2006">
-          <mc:Choice xmlns:a14="http://schemas.microsoft.com/office/drawing/2010/main" Requires="a14">
+        <mc:AlternateContent xmlns:mc="http://schemas.openxmlformats.org/markup-compatibility/2006" xmlns:a14="http://schemas.microsoft.com/office/drawing/2010/main">
+          <mc:Choice Requires="a14">
             <p:sp>
               <p:nvSpPr>
                 <p:cNvPr id="27" name="Rectangle 26"/>
@@ -8787,7 +11920,7 @@
               </p:txBody>
             </p:sp>
           </mc:Choice>
-          <mc:Fallback>
+          <mc:Fallback xmlns="">
             <p:sp>
               <p:nvSpPr>
                 <p:cNvPr id="27" name="Rectangle 26"/>
@@ -8826,8 +11959,8 @@
             </p:sp>
           </mc:Fallback>
         </mc:AlternateContent>
-        <mc:AlternateContent xmlns:mc="http://schemas.openxmlformats.org/markup-compatibility/2006">
-          <mc:Choice xmlns:a14="http://schemas.microsoft.com/office/drawing/2010/main" Requires="a14">
+        <mc:AlternateContent xmlns:mc="http://schemas.openxmlformats.org/markup-compatibility/2006" xmlns:a14="http://schemas.microsoft.com/office/drawing/2010/main">
+          <mc:Choice Requires="a14">
             <p:sp>
               <p:nvSpPr>
                 <p:cNvPr id="29" name="TextBox 28"/>
@@ -8905,7 +12038,7 @@
               </p:txBody>
             </p:sp>
           </mc:Choice>
-          <mc:Fallback>
+          <mc:Fallback xmlns="">
             <p:sp>
               <p:nvSpPr>
                 <p:cNvPr id="29" name="TextBox 28"/>
@@ -8944,8 +12077,8 @@
             </p:sp>
           </mc:Fallback>
         </mc:AlternateContent>
-        <mc:AlternateContent xmlns:mc="http://schemas.openxmlformats.org/markup-compatibility/2006">
-          <mc:Choice xmlns:a14="http://schemas.microsoft.com/office/drawing/2010/main" Requires="a14">
+        <mc:AlternateContent xmlns:mc="http://schemas.openxmlformats.org/markup-compatibility/2006" xmlns:a14="http://schemas.microsoft.com/office/drawing/2010/main">
+          <mc:Choice Requires="a14">
             <p:sp>
               <p:nvSpPr>
                 <p:cNvPr id="16" name="TextBox 15"/>
@@ -8990,7 +12123,7 @@
               </p:txBody>
             </p:sp>
           </mc:Choice>
-          <mc:Fallback>
+          <mc:Fallback xmlns="">
             <p:sp>
               <p:nvSpPr>
                 <p:cNvPr id="16" name="TextBox 15"/>
@@ -9029,8 +12162,8 @@
             </p:sp>
           </mc:Fallback>
         </mc:AlternateContent>
-        <mc:AlternateContent xmlns:mc="http://schemas.openxmlformats.org/markup-compatibility/2006">
-          <mc:Choice xmlns:a14="http://schemas.microsoft.com/office/drawing/2010/main" Requires="a14">
+        <mc:AlternateContent xmlns:mc="http://schemas.openxmlformats.org/markup-compatibility/2006" xmlns:a14="http://schemas.microsoft.com/office/drawing/2010/main">
+          <mc:Choice Requires="a14">
             <p:sp>
               <p:nvSpPr>
                 <p:cNvPr id="20" name="TextBox 19"/>
@@ -9202,7 +12335,7 @@
               </p:txBody>
             </p:sp>
           </mc:Choice>
-          <mc:Fallback>
+          <mc:Fallback xmlns="">
             <p:sp>
               <p:nvSpPr>
                 <p:cNvPr id="20" name="TextBox 19"/>
@@ -9241,8 +12374,8 @@
             </p:sp>
           </mc:Fallback>
         </mc:AlternateContent>
-        <mc:AlternateContent xmlns:mc="http://schemas.openxmlformats.org/markup-compatibility/2006">
-          <mc:Choice xmlns:a14="http://schemas.microsoft.com/office/drawing/2010/main" Requires="a14">
+        <mc:AlternateContent xmlns:mc="http://schemas.openxmlformats.org/markup-compatibility/2006" xmlns:a14="http://schemas.microsoft.com/office/drawing/2010/main">
+          <mc:Choice Requires="a14">
             <p:sp>
               <p:nvSpPr>
                 <p:cNvPr id="2" name="Rectangle 34">
@@ -9310,7 +12443,7 @@
               </p:txBody>
             </p:sp>
           </mc:Choice>
-          <mc:Fallback>
+          <mc:Fallback xmlns="">
             <p:sp>
               <p:nvSpPr>
                 <p:cNvPr id="2" name="Rectangle 34">
@@ -9355,8 +12488,8 @@
             </p:sp>
           </mc:Fallback>
         </mc:AlternateContent>
-        <mc:AlternateContent xmlns:mc="http://schemas.openxmlformats.org/markup-compatibility/2006">
-          <mc:Choice xmlns:a14="http://schemas.microsoft.com/office/drawing/2010/main" Requires="a14">
+        <mc:AlternateContent xmlns:mc="http://schemas.openxmlformats.org/markup-compatibility/2006" xmlns:a14="http://schemas.microsoft.com/office/drawing/2010/main">
+          <mc:Choice Requires="a14">
             <p:sp>
               <p:nvSpPr>
                 <p:cNvPr id="3" name="Rectangle 34">
@@ -9424,7 +12557,7 @@
               </p:txBody>
             </p:sp>
           </mc:Choice>
-          <mc:Fallback>
+          <mc:Fallback xmlns="">
             <p:sp>
               <p:nvSpPr>
                 <p:cNvPr id="3" name="Rectangle 34">
@@ -9469,8 +12602,8 @@
             </p:sp>
           </mc:Fallback>
         </mc:AlternateContent>
-        <mc:AlternateContent xmlns:mc="http://schemas.openxmlformats.org/markup-compatibility/2006">
-          <mc:Choice xmlns:a14="http://schemas.microsoft.com/office/drawing/2010/main" Requires="a14">
+        <mc:AlternateContent xmlns:mc="http://schemas.openxmlformats.org/markup-compatibility/2006" xmlns:a14="http://schemas.microsoft.com/office/drawing/2010/main">
+          <mc:Choice Requires="a14">
             <p:sp>
               <p:nvSpPr>
                 <p:cNvPr id="8" name="Rectangle 34">
@@ -9538,7 +12671,7 @@
               </p:txBody>
             </p:sp>
           </mc:Choice>
-          <mc:Fallback>
+          <mc:Fallback xmlns="">
             <p:sp>
               <p:nvSpPr>
                 <p:cNvPr id="8" name="Rectangle 34">
@@ -9583,8 +12716,8 @@
             </p:sp>
           </mc:Fallback>
         </mc:AlternateContent>
-        <mc:AlternateContent xmlns:mc="http://schemas.openxmlformats.org/markup-compatibility/2006">
-          <mc:Choice xmlns:a14="http://schemas.microsoft.com/office/drawing/2010/main" Requires="a14">
+        <mc:AlternateContent xmlns:mc="http://schemas.openxmlformats.org/markup-compatibility/2006" xmlns:a14="http://schemas.microsoft.com/office/drawing/2010/main">
+          <mc:Choice Requires="a14">
             <p:sp>
               <p:nvSpPr>
                 <p:cNvPr id="9" name="Rectangle 34">
@@ -9652,7 +12785,7 @@
               </p:txBody>
             </p:sp>
           </mc:Choice>
-          <mc:Fallback>
+          <mc:Fallback xmlns="">
             <p:sp>
               <p:nvSpPr>
                 <p:cNvPr id="9" name="Rectangle 34">
@@ -9697,8 +12830,8 @@
             </p:sp>
           </mc:Fallback>
         </mc:AlternateContent>
-        <mc:AlternateContent xmlns:mc="http://schemas.openxmlformats.org/markup-compatibility/2006">
-          <mc:Choice xmlns:a14="http://schemas.microsoft.com/office/drawing/2010/main" Requires="a14">
+        <mc:AlternateContent xmlns:mc="http://schemas.openxmlformats.org/markup-compatibility/2006" xmlns:a14="http://schemas.microsoft.com/office/drawing/2010/main">
+          <mc:Choice Requires="a14">
             <p:sp>
               <p:nvSpPr>
                 <p:cNvPr id="10" name="CaixaDeTexto 9">
@@ -9749,7 +12882,7 @@
               </p:txBody>
             </p:sp>
           </mc:Choice>
-          <mc:Fallback>
+          <mc:Fallback xmlns="">
             <p:sp>
               <p:nvSpPr>
                 <p:cNvPr id="10" name="CaixaDeTexto 9">
@@ -9838,8 +12971,8 @@
             </a:fontRef>
           </p:style>
         </p:cxnSp>
-        <mc:AlternateContent xmlns:mc="http://schemas.openxmlformats.org/markup-compatibility/2006">
-          <mc:Choice xmlns:a14="http://schemas.microsoft.com/office/drawing/2010/main" Requires="a14">
+        <mc:AlternateContent xmlns:mc="http://schemas.openxmlformats.org/markup-compatibility/2006" xmlns:a14="http://schemas.microsoft.com/office/drawing/2010/main">
+          <mc:Choice Requires="a14">
             <p:sp>
               <p:nvSpPr>
                 <p:cNvPr id="50" name="Rectangle 34">
@@ -9888,7 +13021,7 @@
               </p:txBody>
             </p:sp>
           </mc:Choice>
-          <mc:Fallback>
+          <mc:Fallback xmlns="">
             <p:sp>
               <p:nvSpPr>
                 <p:cNvPr id="50" name="Rectangle 34">
@@ -9933,8 +13066,8 @@
             </p:sp>
           </mc:Fallback>
         </mc:AlternateContent>
-        <mc:AlternateContent xmlns:mc="http://schemas.openxmlformats.org/markup-compatibility/2006">
-          <mc:Choice xmlns:a14="http://schemas.microsoft.com/office/drawing/2010/main" Requires="a14">
+        <mc:AlternateContent xmlns:mc="http://schemas.openxmlformats.org/markup-compatibility/2006" xmlns:a14="http://schemas.microsoft.com/office/drawing/2010/main">
+          <mc:Choice Requires="a14">
             <p:sp>
               <p:nvSpPr>
                 <p:cNvPr id="52" name="Rectangle 34">
@@ -9983,7 +13116,7 @@
               </p:txBody>
             </p:sp>
           </mc:Choice>
-          <mc:Fallback>
+          <mc:Fallback xmlns="">
             <p:sp>
               <p:nvSpPr>
                 <p:cNvPr id="52" name="Rectangle 34">
@@ -10049,8 +13182,8 @@
             <a:chExt cx="4106292" cy="3803565"/>
           </a:xfrm>
         </p:grpSpPr>
-        <mc:AlternateContent xmlns:mc="http://schemas.openxmlformats.org/markup-compatibility/2006">
-          <mc:Choice xmlns:a14="http://schemas.microsoft.com/office/drawing/2010/main" Requires="a14">
+        <mc:AlternateContent xmlns:mc="http://schemas.openxmlformats.org/markup-compatibility/2006" xmlns:a14="http://schemas.microsoft.com/office/drawing/2010/main">
+          <mc:Choice Requires="a14">
             <p:sp>
               <p:nvSpPr>
                 <p:cNvPr id="64" name="TextBox 15">
@@ -10230,7 +13363,7 @@
               </p:txBody>
             </p:sp>
           </mc:Choice>
-          <mc:Fallback>
+          <mc:Fallback xmlns="">
             <p:sp>
               <p:nvSpPr>
                 <p:cNvPr id="64" name="TextBox 15">
@@ -10408,8 +13541,8 @@
             </a:fontRef>
           </p:style>
         </p:cxnSp>
-        <mc:AlternateContent xmlns:mc="http://schemas.openxmlformats.org/markup-compatibility/2006">
-          <mc:Choice xmlns:a14="http://schemas.microsoft.com/office/drawing/2010/main" Requires="a14">
+        <mc:AlternateContent xmlns:mc="http://schemas.openxmlformats.org/markup-compatibility/2006" xmlns:a14="http://schemas.microsoft.com/office/drawing/2010/main">
+          <mc:Choice Requires="a14">
             <p:sp>
               <p:nvSpPr>
                 <p:cNvPr id="77" name="Rectangle 22">
@@ -10477,7 +13610,7 @@
               </p:txBody>
             </p:sp>
           </mc:Choice>
-          <mc:Fallback>
+          <mc:Fallback xmlns="">
             <p:sp>
               <p:nvSpPr>
                 <p:cNvPr id="77" name="Rectangle 22">
@@ -10682,8 +13815,8 @@
             </p:sp>
           </mc:Fallback>
         </mc:AlternateContent>
-        <mc:AlternateContent xmlns:mc="http://schemas.openxmlformats.org/markup-compatibility/2006">
-          <mc:Choice xmlns:a14="http://schemas.microsoft.com/office/drawing/2010/main" Requires="a14">
+        <mc:AlternateContent xmlns:mc="http://schemas.openxmlformats.org/markup-compatibility/2006" xmlns:a14="http://schemas.microsoft.com/office/drawing/2010/main">
+          <mc:Choice Requires="a14">
             <p:sp>
               <p:nvSpPr>
                 <p:cNvPr id="80" name="Rectangle 35">
@@ -10751,7 +13884,7 @@
               </p:txBody>
             </p:sp>
           </mc:Choice>
-          <mc:Fallback>
+          <mc:Fallback xmlns="">
             <p:sp>
               <p:nvSpPr>
                 <p:cNvPr id="80" name="Rectangle 35">
@@ -11279,8 +14412,8 @@
             </p:sp>
           </mc:Fallback>
         </mc:AlternateContent>
-        <mc:AlternateContent xmlns:mc="http://schemas.openxmlformats.org/markup-compatibility/2006">
-          <mc:Choice xmlns:a14="http://schemas.microsoft.com/office/drawing/2010/main" Requires="a14">
+        <mc:AlternateContent xmlns:mc="http://schemas.openxmlformats.org/markup-compatibility/2006" xmlns:a14="http://schemas.microsoft.com/office/drawing/2010/main">
+          <mc:Choice Requires="a14">
             <p:sp>
               <p:nvSpPr>
                 <p:cNvPr id="93" name="Rectangle 34">
@@ -11348,7 +14481,7 @@
               </p:txBody>
             </p:sp>
           </mc:Choice>
-          <mc:Fallback>
+          <mc:Fallback xmlns="">
             <p:sp>
               <p:nvSpPr>
                 <p:cNvPr id="93" name="Rectangle 34">
@@ -11393,8 +14526,8 @@
             </p:sp>
           </mc:Fallback>
         </mc:AlternateContent>
-        <mc:AlternateContent xmlns:mc="http://schemas.openxmlformats.org/markup-compatibility/2006">
-          <mc:Choice xmlns:a14="http://schemas.microsoft.com/office/drawing/2010/main" Requires="a14">
+        <mc:AlternateContent xmlns:mc="http://schemas.openxmlformats.org/markup-compatibility/2006" xmlns:a14="http://schemas.microsoft.com/office/drawing/2010/main">
+          <mc:Choice Requires="a14">
             <p:sp>
               <p:nvSpPr>
                 <p:cNvPr id="94" name="Rectangle 34">
@@ -11462,7 +14595,7 @@
               </p:txBody>
             </p:sp>
           </mc:Choice>
-          <mc:Fallback>
+          <mc:Fallback xmlns="">
             <p:sp>
               <p:nvSpPr>
                 <p:cNvPr id="94" name="Rectangle 34">
@@ -12261,8 +15394,8 @@
             <a:chExt cx="4106292" cy="4313060"/>
           </a:xfrm>
         </p:grpSpPr>
-        <mc:AlternateContent xmlns:mc="http://schemas.openxmlformats.org/markup-compatibility/2006">
-          <mc:Choice xmlns:a14="http://schemas.microsoft.com/office/drawing/2010/main" Requires="a14">
+        <mc:AlternateContent xmlns:mc="http://schemas.openxmlformats.org/markup-compatibility/2006" xmlns:a14="http://schemas.microsoft.com/office/drawing/2010/main">
+          <mc:Choice Requires="a14">
             <p:sp>
               <p:nvSpPr>
                 <p:cNvPr id="11" name="TextBox 15">
@@ -12442,7 +15575,7 @@
               </p:txBody>
             </p:sp>
           </mc:Choice>
-          <mc:Fallback>
+          <mc:Fallback xmlns="">
             <p:sp>
               <p:nvSpPr>
                 <p:cNvPr id="11" name="TextBox 15">
@@ -12620,8 +15753,8 @@
             </a:fontRef>
           </p:style>
         </p:cxnSp>
-        <mc:AlternateContent xmlns:mc="http://schemas.openxmlformats.org/markup-compatibility/2006">
-          <mc:Choice xmlns:a14="http://schemas.microsoft.com/office/drawing/2010/main" Requires="a14">
+        <mc:AlternateContent xmlns:mc="http://schemas.openxmlformats.org/markup-compatibility/2006" xmlns:a14="http://schemas.microsoft.com/office/drawing/2010/main">
+          <mc:Choice Requires="a14">
             <p:sp>
               <p:nvSpPr>
                 <p:cNvPr id="15" name="Rectangle 22">
@@ -12689,7 +15822,7 @@
               </p:txBody>
             </p:sp>
           </mc:Choice>
-          <mc:Fallback>
+          <mc:Fallback xmlns="">
             <p:sp>
               <p:nvSpPr>
                 <p:cNvPr id="15" name="Rectangle 22">
@@ -12780,8 +15913,8 @@
             </a:fontRef>
           </p:style>
         </p:cxnSp>
-        <mc:AlternateContent xmlns:mc="http://schemas.openxmlformats.org/markup-compatibility/2006">
-          <mc:Choice xmlns:a14="http://schemas.microsoft.com/office/drawing/2010/main" Requires="a14">
+        <mc:AlternateContent xmlns:mc="http://schemas.openxmlformats.org/markup-compatibility/2006" xmlns:a14="http://schemas.microsoft.com/office/drawing/2010/main">
+          <mc:Choice Requires="a14">
             <p:sp>
               <p:nvSpPr>
                 <p:cNvPr id="22" name="Rectangle 34">
@@ -12849,7 +15982,7 @@
               </p:txBody>
             </p:sp>
           </mc:Choice>
-          <mc:Fallback>
+          <mc:Fallback xmlns="">
             <p:sp>
               <p:nvSpPr>
                 <p:cNvPr id="22" name="Rectangle 34">
@@ -12894,8 +16027,8 @@
             </p:sp>
           </mc:Fallback>
         </mc:AlternateContent>
-        <mc:AlternateContent xmlns:mc="http://schemas.openxmlformats.org/markup-compatibility/2006">
-          <mc:Choice xmlns:a14="http://schemas.microsoft.com/office/drawing/2010/main" Requires="a14">
+        <mc:AlternateContent xmlns:mc="http://schemas.openxmlformats.org/markup-compatibility/2006" xmlns:a14="http://schemas.microsoft.com/office/drawing/2010/main">
+          <mc:Choice Requires="a14">
             <p:sp>
               <p:nvSpPr>
                 <p:cNvPr id="24" name="Rectangle 35">
@@ -12963,7 +16096,7 @@
               </p:txBody>
             </p:sp>
           </mc:Choice>
-          <mc:Fallback>
+          <mc:Fallback xmlns="">
             <p:sp>
               <p:nvSpPr>
                 <p:cNvPr id="24" name="Rectangle 35">
@@ -13052,8 +16185,8 @@
             </a:fontRef>
           </p:style>
         </p:cxnSp>
-        <mc:AlternateContent xmlns:mc="http://schemas.openxmlformats.org/markup-compatibility/2006">
-          <mc:Choice xmlns:a14="http://schemas.microsoft.com/office/drawing/2010/main" Requires="a14">
+        <mc:AlternateContent xmlns:mc="http://schemas.openxmlformats.org/markup-compatibility/2006" xmlns:a14="http://schemas.microsoft.com/office/drawing/2010/main">
+          <mc:Choice Requires="a14">
             <p:sp>
               <p:nvSpPr>
                 <p:cNvPr id="30" name="Rectangle 26">
@@ -13121,7 +16254,7 @@
               </p:txBody>
             </p:sp>
           </mc:Choice>
-          <mc:Fallback>
+          <mc:Fallback xmlns="">
             <p:sp>
               <p:nvSpPr>
                 <p:cNvPr id="30" name="Rectangle 26">
@@ -13166,8 +16299,8 @@
             </p:sp>
           </mc:Fallback>
         </mc:AlternateContent>
-        <mc:AlternateContent xmlns:mc="http://schemas.openxmlformats.org/markup-compatibility/2006">
-          <mc:Choice xmlns:a14="http://schemas.microsoft.com/office/drawing/2010/main" Requires="a14">
+        <mc:AlternateContent xmlns:mc="http://schemas.openxmlformats.org/markup-compatibility/2006" xmlns:a14="http://schemas.microsoft.com/office/drawing/2010/main">
+          <mc:Choice Requires="a14">
             <p:sp>
               <p:nvSpPr>
                 <p:cNvPr id="31" name="TextBox 15">
@@ -13218,7 +16351,7 @@
               </p:txBody>
             </p:sp>
           </mc:Choice>
-          <mc:Fallback>
+          <mc:Fallback xmlns="">
             <p:sp>
               <p:nvSpPr>
                 <p:cNvPr id="31" name="TextBox 15">
@@ -13263,8 +16396,8 @@
             </p:sp>
           </mc:Fallback>
         </mc:AlternateContent>
-        <mc:AlternateContent xmlns:mc="http://schemas.openxmlformats.org/markup-compatibility/2006">
-          <mc:Choice xmlns:a14="http://schemas.microsoft.com/office/drawing/2010/main" Requires="a14">
+        <mc:AlternateContent xmlns:mc="http://schemas.openxmlformats.org/markup-compatibility/2006" xmlns:a14="http://schemas.microsoft.com/office/drawing/2010/main">
+          <mc:Choice Requires="a14">
             <p:sp>
               <p:nvSpPr>
                 <p:cNvPr id="32" name="Rectangle 34">
@@ -13332,7 +16465,7 @@
               </p:txBody>
             </p:sp>
           </mc:Choice>
-          <mc:Fallback>
+          <mc:Fallback xmlns="">
             <p:sp>
               <p:nvSpPr>
                 <p:cNvPr id="32" name="Rectangle 34">
@@ -13377,8 +16510,8 @@
             </p:sp>
           </mc:Fallback>
         </mc:AlternateContent>
-        <mc:AlternateContent xmlns:mc="http://schemas.openxmlformats.org/markup-compatibility/2006">
-          <mc:Choice xmlns:a14="http://schemas.microsoft.com/office/drawing/2010/main" Requires="a14">
+        <mc:AlternateContent xmlns:mc="http://schemas.openxmlformats.org/markup-compatibility/2006" xmlns:a14="http://schemas.microsoft.com/office/drawing/2010/main">
+          <mc:Choice Requires="a14">
             <p:sp>
               <p:nvSpPr>
                 <p:cNvPr id="33" name="Rectangle 34">
@@ -13446,7 +16579,7 @@
               </p:txBody>
             </p:sp>
           </mc:Choice>
-          <mc:Fallback>
+          <mc:Fallback xmlns="">
             <p:sp>
               <p:nvSpPr>
                 <p:cNvPr id="33" name="Rectangle 34">
@@ -13491,8 +16624,8 @@
             </p:sp>
           </mc:Fallback>
         </mc:AlternateContent>
-        <mc:AlternateContent xmlns:mc="http://schemas.openxmlformats.org/markup-compatibility/2006">
-          <mc:Choice xmlns:a14="http://schemas.microsoft.com/office/drawing/2010/main" Requires="a14">
+        <mc:AlternateContent xmlns:mc="http://schemas.openxmlformats.org/markup-compatibility/2006" xmlns:a14="http://schemas.microsoft.com/office/drawing/2010/main">
+          <mc:Choice Requires="a14">
             <p:sp>
               <p:nvSpPr>
                 <p:cNvPr id="34" name="Rectangle 34">
@@ -13560,7 +16693,7 @@
               </p:txBody>
             </p:sp>
           </mc:Choice>
-          <mc:Fallback>
+          <mc:Fallback xmlns="">
             <p:sp>
               <p:nvSpPr>
                 <p:cNvPr id="34" name="Rectangle 34">
@@ -13605,8 +16738,8 @@
             </p:sp>
           </mc:Fallback>
         </mc:AlternateContent>
-        <mc:AlternateContent xmlns:mc="http://schemas.openxmlformats.org/markup-compatibility/2006">
-          <mc:Choice xmlns:a14="http://schemas.microsoft.com/office/drawing/2010/main" Requires="a14">
+        <mc:AlternateContent xmlns:mc="http://schemas.openxmlformats.org/markup-compatibility/2006" xmlns:a14="http://schemas.microsoft.com/office/drawing/2010/main">
+          <mc:Choice Requires="a14">
             <p:sp>
               <p:nvSpPr>
                 <p:cNvPr id="37" name="Rectangle 34">
@@ -13674,7 +16807,7 @@
               </p:txBody>
             </p:sp>
           </mc:Choice>
-          <mc:Fallback>
+          <mc:Fallback xmlns="">
             <p:sp>
               <p:nvSpPr>
                 <p:cNvPr id="37" name="Rectangle 34">
@@ -13719,8 +16852,8 @@
             </p:sp>
           </mc:Fallback>
         </mc:AlternateContent>
-        <mc:AlternateContent xmlns:mc="http://schemas.openxmlformats.org/markup-compatibility/2006">
-          <mc:Choice xmlns:a14="http://schemas.microsoft.com/office/drawing/2010/main" Requires="a14">
+        <mc:AlternateContent xmlns:mc="http://schemas.openxmlformats.org/markup-compatibility/2006" xmlns:a14="http://schemas.microsoft.com/office/drawing/2010/main">
+          <mc:Choice Requires="a14">
             <p:sp>
               <p:nvSpPr>
                 <p:cNvPr id="38" name="CaixaDeTexto 37">
@@ -13771,7 +16904,7 @@
               </p:txBody>
             </p:sp>
           </mc:Choice>
-          <mc:Fallback>
+          <mc:Fallback xmlns="">
             <p:sp>
               <p:nvSpPr>
                 <p:cNvPr id="38" name="CaixaDeTexto 37">
@@ -13860,8 +16993,8 @@
             </a:fontRef>
           </p:style>
         </p:cxnSp>
-        <mc:AlternateContent xmlns:mc="http://schemas.openxmlformats.org/markup-compatibility/2006">
-          <mc:Choice xmlns:a14="http://schemas.microsoft.com/office/drawing/2010/main" Requires="a14">
+        <mc:AlternateContent xmlns:mc="http://schemas.openxmlformats.org/markup-compatibility/2006" xmlns:a14="http://schemas.microsoft.com/office/drawing/2010/main">
+          <mc:Choice Requires="a14">
             <p:sp>
               <p:nvSpPr>
                 <p:cNvPr id="40" name="Rectangle 34">
@@ -13910,7 +17043,7 @@
               </p:txBody>
             </p:sp>
           </mc:Choice>
-          <mc:Fallback>
+          <mc:Fallback xmlns="">
             <p:sp>
               <p:nvSpPr>
                 <p:cNvPr id="40" name="Rectangle 34">
@@ -13955,8 +17088,8 @@
             </p:sp>
           </mc:Fallback>
         </mc:AlternateContent>
-        <mc:AlternateContent xmlns:mc="http://schemas.openxmlformats.org/markup-compatibility/2006">
-          <mc:Choice xmlns:a14="http://schemas.microsoft.com/office/drawing/2010/main" Requires="a14">
+        <mc:AlternateContent xmlns:mc="http://schemas.openxmlformats.org/markup-compatibility/2006" xmlns:a14="http://schemas.microsoft.com/office/drawing/2010/main">
+          <mc:Choice Requires="a14">
             <p:sp>
               <p:nvSpPr>
                 <p:cNvPr id="41" name="Rectangle 34">
@@ -14005,7 +17138,7 @@
               </p:txBody>
             </p:sp>
           </mc:Choice>
-          <mc:Fallback>
+          <mc:Fallback xmlns="">
             <p:sp>
               <p:nvSpPr>
                 <p:cNvPr id="41" name="Rectangle 34">
@@ -14096,8 +17229,8 @@
             </a:p>
           </p:txBody>
         </p:sp>
-        <mc:AlternateContent xmlns:mc="http://schemas.openxmlformats.org/markup-compatibility/2006">
-          <mc:Choice xmlns:a14="http://schemas.microsoft.com/office/drawing/2010/main" Requires="a14">
+        <mc:AlternateContent xmlns:mc="http://schemas.openxmlformats.org/markup-compatibility/2006" xmlns:a14="http://schemas.microsoft.com/office/drawing/2010/main">
+          <mc:Choice Requires="a14">
             <p:sp>
               <p:nvSpPr>
                 <p:cNvPr id="44" name="TextBox 19">
@@ -14156,7 +17289,7 @@
               </p:txBody>
             </p:sp>
           </mc:Choice>
-          <mc:Fallback>
+          <mc:Fallback xmlns="">
             <p:sp>
               <p:nvSpPr>
                 <p:cNvPr id="44" name="TextBox 19">
@@ -14247,8 +17380,8 @@
             </a:p>
           </p:txBody>
         </p:sp>
-        <mc:AlternateContent xmlns:mc="http://schemas.openxmlformats.org/markup-compatibility/2006">
-          <mc:Choice xmlns:a14="http://schemas.microsoft.com/office/drawing/2010/main" Requires="a14">
+        <mc:AlternateContent xmlns:mc="http://schemas.openxmlformats.org/markup-compatibility/2006" xmlns:a14="http://schemas.microsoft.com/office/drawing/2010/main">
+          <mc:Choice Requires="a14">
             <p:sp>
               <p:nvSpPr>
                 <p:cNvPr id="46" name="TextBox 28">
@@ -14315,7 +17448,7 @@
               </p:txBody>
             </p:sp>
           </mc:Choice>
-          <mc:Fallback>
+          <mc:Fallback xmlns="">
             <p:sp>
               <p:nvSpPr>
                 <p:cNvPr id="46" name="TextBox 28">
@@ -14742,317 +17875,6 @@
 </p:sld>
 </file>
 
-<file path=ppt/slides/slide2.xml><?xml version="1.0" encoding="utf-8"?>
-<p:sld xmlns:a="http://schemas.openxmlformats.org/drawingml/2006/main" xmlns:r="http://schemas.openxmlformats.org/officeDocument/2006/relationships" xmlns:p="http://schemas.openxmlformats.org/presentationml/2006/main">
-  <p:cSld>
-    <p:spTree>
-      <p:nvGrpSpPr>
-        <p:cNvPr id="1" name=""/>
-        <p:cNvGrpSpPr/>
-        <p:nvPr/>
-      </p:nvGrpSpPr>
-      <p:grpSpPr>
-        <a:xfrm>
-          <a:off x="0" y="0"/>
-          <a:ext cx="0" cy="0"/>
-          <a:chOff x="0" y="0"/>
-          <a:chExt cx="0" cy="0"/>
-        </a:xfrm>
-      </p:grpSpPr>
-      <p:sp>
-        <p:nvSpPr>
-          <p:cNvPr id="2" name="Título 1">
-            <a:extLst>
-              <a:ext uri="{FF2B5EF4-FFF2-40B4-BE49-F238E27FC236}">
-                <a16:creationId xmlns:a16="http://schemas.microsoft.com/office/drawing/2014/main" id="{EECB3FED-5D1A-7084-5333-A3B2FA75F608}"/>
-              </a:ext>
-            </a:extLst>
-          </p:cNvPr>
-          <p:cNvSpPr>
-            <a:spLocks noGrp="1"/>
-          </p:cNvSpPr>
-          <p:nvPr>
-            <p:ph type="title"/>
-          </p:nvPr>
-        </p:nvSpPr>
-        <p:spPr/>
-        <p:txBody>
-          <a:bodyPr/>
-          <a:lstStyle/>
-          <a:p>
-            <a:r>
-              <a:rPr lang="pt-BR" dirty="0"/>
-              <a:t>Desafios da execução de ML em sistemas embarcados</a:t>
-            </a:r>
-          </a:p>
-        </p:txBody>
-      </p:sp>
-      <p:sp>
-        <p:nvSpPr>
-          <p:cNvPr id="10" name="Espaço Reservado para Conteúdo 9">
-            <a:extLst>
-              <a:ext uri="{FF2B5EF4-FFF2-40B4-BE49-F238E27FC236}">
-                <a16:creationId xmlns:a16="http://schemas.microsoft.com/office/drawing/2014/main" id="{CAD93E95-B9C0-F72A-DC66-5932B3365C00}"/>
-              </a:ext>
-            </a:extLst>
-          </p:cNvPr>
-          <p:cNvSpPr>
-            <a:spLocks noGrp="1"/>
-          </p:cNvSpPr>
-          <p:nvPr>
-            <p:ph idx="1"/>
-          </p:nvPr>
-        </p:nvSpPr>
-        <p:spPr>
-          <a:xfrm>
-            <a:off x="6549044" y="1569146"/>
-            <a:ext cx="5414622" cy="5288854"/>
-          </a:xfrm>
-        </p:spPr>
-        <p:txBody>
-          <a:bodyPr>
-            <a:normAutofit/>
-          </a:bodyPr>
-          <a:lstStyle/>
-          <a:p>
-            <a:r>
-              <a:rPr lang="pt-BR" dirty="0"/>
-              <a:t>Anteriormente, falamos dos desafios encontrados quando usamos sistemas embarcados, i.e., limitações de HW e SW.</a:t>
-            </a:r>
-          </a:p>
-          <a:p>
-            <a:r>
-              <a:rPr lang="pt-BR" dirty="0"/>
-              <a:t>Agora, veremos os desafios para execução algoritmos de ML, mais especificamente de </a:t>
-            </a:r>
-            <a:r>
-              <a:rPr lang="pt-BR" i="1" dirty="0" err="1"/>
-              <a:t>Deep</a:t>
-            </a:r>
-            <a:r>
-              <a:rPr lang="pt-BR" i="1" dirty="0"/>
-              <a:t> Learning</a:t>
-            </a:r>
-            <a:r>
-              <a:rPr lang="pt-BR" dirty="0"/>
-              <a:t>, nestes dispositivos pequenos, com restrições de custo, recursos computacionais e consumo.</a:t>
-            </a:r>
-          </a:p>
-        </p:txBody>
-      </p:sp>
-      <p:grpSp>
-        <p:nvGrpSpPr>
-          <p:cNvPr id="4" name="Agrupar 3">
-            <a:extLst>
-              <a:ext uri="{FF2B5EF4-FFF2-40B4-BE49-F238E27FC236}">
-                <a16:creationId xmlns:a16="http://schemas.microsoft.com/office/drawing/2014/main" id="{35FD2549-26FC-7133-A127-D130ABECED2F}"/>
-              </a:ext>
-            </a:extLst>
-          </p:cNvPr>
-          <p:cNvGrpSpPr/>
-          <p:nvPr/>
-        </p:nvGrpSpPr>
-        <p:grpSpPr>
-          <a:xfrm>
-            <a:off x="851546" y="2090057"/>
-            <a:ext cx="5552534" cy="3744685"/>
-            <a:chOff x="851546" y="2090057"/>
-            <a:chExt cx="5552534" cy="3744685"/>
-          </a:xfrm>
-        </p:grpSpPr>
-        <p:pic>
-          <p:nvPicPr>
-            <p:cNvPr id="12" name="Imagem 11">
-              <a:extLst>
-                <a:ext uri="{FF2B5EF4-FFF2-40B4-BE49-F238E27FC236}">
-                  <a16:creationId xmlns:a16="http://schemas.microsoft.com/office/drawing/2014/main" id="{CEA739A8-9DDE-54DC-65C2-46F29815DD7C}"/>
-                </a:ext>
-              </a:extLst>
-            </p:cNvPr>
-            <p:cNvPicPr>
-              <a:picLocks noChangeAspect="1"/>
-            </p:cNvPicPr>
-            <p:nvPr/>
-          </p:nvPicPr>
-          <p:blipFill rotWithShape="1">
-            <a:blip r:embed="rId2"/>
-            <a:srcRect l="8982" t="2754" r="5837" b="2176"/>
-            <a:stretch/>
-          </p:blipFill>
-          <p:spPr>
-            <a:xfrm>
-              <a:off x="851546" y="2090057"/>
-              <a:ext cx="2630741" cy="3744685"/>
-            </a:xfrm>
-            <a:prstGeom prst="rect">
-              <a:avLst/>
-            </a:prstGeom>
-          </p:spPr>
-        </p:pic>
-        <p:sp>
-          <p:nvSpPr>
-            <p:cNvPr id="13" name="Seta: para a Direita 12">
-              <a:extLst>
-                <a:ext uri="{FF2B5EF4-FFF2-40B4-BE49-F238E27FC236}">
-                  <a16:creationId xmlns:a16="http://schemas.microsoft.com/office/drawing/2014/main" id="{A58B0515-7EE2-661F-8CF7-159A3180611C}"/>
-                </a:ext>
-              </a:extLst>
-            </p:cNvPr>
-            <p:cNvSpPr/>
-            <p:nvPr/>
-          </p:nvSpPr>
-          <p:spPr>
-            <a:xfrm>
-              <a:off x="3482287" y="3208791"/>
-              <a:ext cx="847044" cy="1230086"/>
-            </a:xfrm>
-            <a:prstGeom prst="rightArrow">
-              <a:avLst>
-                <a:gd name="adj1" fmla="val 50000"/>
-                <a:gd name="adj2" fmla="val 48645"/>
-              </a:avLst>
-            </a:prstGeom>
-          </p:spPr>
-          <p:style>
-            <a:lnRef idx="2">
-              <a:schemeClr val="accent1">
-                <a:shade val="15000"/>
-              </a:schemeClr>
-            </a:lnRef>
-            <a:fillRef idx="1">
-              <a:schemeClr val="accent1"/>
-            </a:fillRef>
-            <a:effectRef idx="0">
-              <a:schemeClr val="accent1"/>
-            </a:effectRef>
-            <a:fontRef idx="minor">
-              <a:schemeClr val="lt1"/>
-            </a:fontRef>
-          </p:style>
-          <p:txBody>
-            <a:bodyPr rtlCol="0" anchor="ctr"/>
-            <a:lstStyle/>
-            <a:p>
-              <a:pPr algn="ctr"/>
-              <a:endParaRPr lang="pt-BR"/>
-            </a:p>
-          </p:txBody>
-        </p:sp>
-        <p:sp>
-          <p:nvSpPr>
-            <p:cNvPr id="15" name="CaixaDeTexto 14">
-              <a:extLst>
-                <a:ext uri="{FF2B5EF4-FFF2-40B4-BE49-F238E27FC236}">
-                  <a16:creationId xmlns:a16="http://schemas.microsoft.com/office/drawing/2014/main" id="{28114B5B-9C22-66F7-D654-04DADEBD308B}"/>
-                </a:ext>
-              </a:extLst>
-            </p:cNvPr>
-            <p:cNvSpPr txBox="1"/>
-            <p:nvPr/>
-          </p:nvSpPr>
-          <p:spPr>
-            <a:xfrm>
-              <a:off x="4324909" y="3429000"/>
-              <a:ext cx="2079171" cy="769441"/>
-            </a:xfrm>
-            <a:prstGeom prst="rect">
-              <a:avLst/>
-            </a:prstGeom>
-            <a:noFill/>
-          </p:spPr>
-          <p:txBody>
-            <a:bodyPr wrap="square" rtlCol="0">
-              <a:spAutoFit/>
-            </a:bodyPr>
-            <a:lstStyle/>
-            <a:p>
-              <a:pPr algn="ctr"/>
-              <a:r>
-                <a:rPr lang="pt-BR" sz="4400" b="1" dirty="0" err="1">
-                  <a:solidFill>
-                    <a:schemeClr val="accent2"/>
-                  </a:solidFill>
-                </a:rPr>
-                <a:t>TinyML</a:t>
-              </a:r>
-              <a:endParaRPr lang="pt-BR" sz="4400" b="1" dirty="0">
-                <a:solidFill>
-                  <a:schemeClr val="accent2"/>
-                </a:solidFill>
-              </a:endParaRPr>
-            </a:p>
-          </p:txBody>
-        </p:sp>
-        <p:sp>
-          <p:nvSpPr>
-            <p:cNvPr id="3" name="Retângulo 2">
-              <a:extLst>
-                <a:ext uri="{FF2B5EF4-FFF2-40B4-BE49-F238E27FC236}">
-                  <a16:creationId xmlns:a16="http://schemas.microsoft.com/office/drawing/2014/main" id="{9E596047-C78C-BCD8-4D1B-94869D2F17B8}"/>
-                </a:ext>
-              </a:extLst>
-            </p:cNvPr>
-            <p:cNvSpPr/>
-            <p:nvPr/>
-          </p:nvSpPr>
-          <p:spPr>
-            <a:xfrm>
-              <a:off x="1014761" y="3735660"/>
-              <a:ext cx="2230244" cy="2099082"/>
-            </a:xfrm>
-            <a:prstGeom prst="rect">
-              <a:avLst/>
-            </a:prstGeom>
-            <a:solidFill>
-              <a:srgbClr val="FF0000">
-                <a:alpha val="21000"/>
-              </a:srgbClr>
-            </a:solidFill>
-            <a:ln w="38100">
-              <a:solidFill>
-                <a:srgbClr val="FF0000"/>
-              </a:solidFill>
-            </a:ln>
-          </p:spPr>
-          <p:style>
-            <a:lnRef idx="2">
-              <a:schemeClr val="accent1">
-                <a:shade val="15000"/>
-              </a:schemeClr>
-            </a:lnRef>
-            <a:fillRef idx="1">
-              <a:schemeClr val="accent1"/>
-            </a:fillRef>
-            <a:effectRef idx="0">
-              <a:schemeClr val="accent1"/>
-            </a:effectRef>
-            <a:fontRef idx="minor">
-              <a:schemeClr val="lt1"/>
-            </a:fontRef>
-          </p:style>
-          <p:txBody>
-            <a:bodyPr rtlCol="0" anchor="ctr"/>
-            <a:lstStyle/>
-            <a:p>
-              <a:pPr algn="ctr"/>
-              <a:endParaRPr lang="pt-BR"/>
-            </a:p>
-          </p:txBody>
-        </p:sp>
-      </p:grpSp>
-    </p:spTree>
-    <p:extLst>
-      <p:ext uri="{BB962C8B-B14F-4D97-AF65-F5344CB8AC3E}">
-        <p14:creationId xmlns:p14="http://schemas.microsoft.com/office/powerpoint/2010/main" val="2072074263"/>
-      </p:ext>
-    </p:extLst>
-  </p:cSld>
-  <p:clrMapOvr>
-    <a:masterClrMapping/>
-  </p:clrMapOvr>
-</p:sld>
-</file>
-
 <file path=ppt/slides/slide3.xml><?xml version="1.0" encoding="utf-8"?>
 <p:sld xmlns:a="http://schemas.openxmlformats.org/drawingml/2006/main" xmlns:r="http://schemas.openxmlformats.org/officeDocument/2006/relationships" xmlns:p="http://schemas.openxmlformats.org/presentationml/2006/main">
   <p:cSld>
@@ -16025,8 +18847,8 @@
             </a:extLst>
           </p:spPr>
         </p:pic>
-        <mc:AlternateContent xmlns:mc="http://schemas.openxmlformats.org/markup-compatibility/2006">
-          <mc:Choice xmlns:a14="http://schemas.microsoft.com/office/drawing/2010/main" Requires="a14">
+        <mc:AlternateContent xmlns:mc="http://schemas.openxmlformats.org/markup-compatibility/2006" xmlns:a14="http://schemas.microsoft.com/office/drawing/2010/main">
+          <mc:Choice Requires="a14">
             <p:sp>
               <p:nvSpPr>
                 <p:cNvPr id="5" name="CaixaDeTexto 4">
@@ -16095,7 +18917,7 @@
               </p:txBody>
             </p:sp>
           </mc:Choice>
-          <mc:Fallback>
+          <mc:Fallback xmlns="">
             <p:sp>
               <p:nvSpPr>
                 <p:cNvPr id="5" name="CaixaDeTexto 4">
@@ -16140,8 +18962,8 @@
             </p:sp>
           </mc:Fallback>
         </mc:AlternateContent>
-        <mc:AlternateContent xmlns:mc="http://schemas.openxmlformats.org/markup-compatibility/2006">
-          <mc:Choice xmlns:a14="http://schemas.microsoft.com/office/drawing/2010/main" Requires="a14">
+        <mc:AlternateContent xmlns:mc="http://schemas.openxmlformats.org/markup-compatibility/2006" xmlns:a14="http://schemas.microsoft.com/office/drawing/2010/main">
+          <mc:Choice Requires="a14">
             <p:sp>
               <p:nvSpPr>
                 <p:cNvPr id="6" name="CaixaDeTexto 5">
@@ -16210,7 +19032,7 @@
               </p:txBody>
             </p:sp>
           </mc:Choice>
-          <mc:Fallback>
+          <mc:Fallback xmlns="">
             <p:sp>
               <p:nvSpPr>
                 <p:cNvPr id="6" name="CaixaDeTexto 5">
@@ -16255,8 +19077,8 @@
             </p:sp>
           </mc:Fallback>
         </mc:AlternateContent>
-        <mc:AlternateContent xmlns:mc="http://schemas.openxmlformats.org/markup-compatibility/2006">
-          <mc:Choice xmlns:a14="http://schemas.microsoft.com/office/drawing/2010/main" Requires="a14">
+        <mc:AlternateContent xmlns:mc="http://schemas.openxmlformats.org/markup-compatibility/2006" xmlns:a14="http://schemas.microsoft.com/office/drawing/2010/main">
+          <mc:Choice Requires="a14">
             <p:sp>
               <p:nvSpPr>
                 <p:cNvPr id="7" name="CaixaDeTexto 6">
@@ -16325,7 +19147,7 @@
               </p:txBody>
             </p:sp>
           </mc:Choice>
-          <mc:Fallback>
+          <mc:Fallback xmlns="">
             <p:sp>
               <p:nvSpPr>
                 <p:cNvPr id="7" name="CaixaDeTexto 6">
@@ -16370,8 +19192,8 @@
             </p:sp>
           </mc:Fallback>
         </mc:AlternateContent>
-        <mc:AlternateContent xmlns:mc="http://schemas.openxmlformats.org/markup-compatibility/2006">
-          <mc:Choice xmlns:a14="http://schemas.microsoft.com/office/drawing/2010/main" Requires="a14">
+        <mc:AlternateContent xmlns:mc="http://schemas.openxmlformats.org/markup-compatibility/2006" xmlns:a14="http://schemas.microsoft.com/office/drawing/2010/main">
+          <mc:Choice Requires="a14">
             <p:sp>
               <p:nvSpPr>
                 <p:cNvPr id="8" name="CaixaDeTexto 7">
@@ -16440,7 +19262,7 @@
               </p:txBody>
             </p:sp>
           </mc:Choice>
-          <mc:Fallback>
+          <mc:Fallback xmlns="">
             <p:sp>
               <p:nvSpPr>
                 <p:cNvPr id="8" name="CaixaDeTexto 7">
@@ -16485,8 +19307,8 @@
             </p:sp>
           </mc:Fallback>
         </mc:AlternateContent>
-        <mc:AlternateContent xmlns:mc="http://schemas.openxmlformats.org/markup-compatibility/2006">
-          <mc:Choice xmlns:a14="http://schemas.microsoft.com/office/drawing/2010/main" Requires="a14">
+        <mc:AlternateContent xmlns:mc="http://schemas.openxmlformats.org/markup-compatibility/2006" xmlns:a14="http://schemas.microsoft.com/office/drawing/2010/main">
+          <mc:Choice Requires="a14">
             <p:sp>
               <p:nvSpPr>
                 <p:cNvPr id="9" name="CaixaDeTexto 8">
@@ -16555,7 +19377,7 @@
               </p:txBody>
             </p:sp>
           </mc:Choice>
-          <mc:Fallback>
+          <mc:Fallback xmlns="">
             <p:sp>
               <p:nvSpPr>
                 <p:cNvPr id="9" name="CaixaDeTexto 8">
@@ -16600,8 +19422,8 @@
             </p:sp>
           </mc:Fallback>
         </mc:AlternateContent>
-        <mc:AlternateContent xmlns:mc="http://schemas.openxmlformats.org/markup-compatibility/2006">
-          <mc:Choice xmlns:a14="http://schemas.microsoft.com/office/drawing/2010/main" Requires="a14">
+        <mc:AlternateContent xmlns:mc="http://schemas.openxmlformats.org/markup-compatibility/2006" xmlns:a14="http://schemas.microsoft.com/office/drawing/2010/main">
+          <mc:Choice Requires="a14">
             <p:sp>
               <p:nvSpPr>
                 <p:cNvPr id="10" name="CaixaDeTexto 9">
@@ -16670,7 +19492,7 @@
               </p:txBody>
             </p:sp>
           </mc:Choice>
-          <mc:Fallback>
+          <mc:Fallback xmlns="">
             <p:sp>
               <p:nvSpPr>
                 <p:cNvPr id="10" name="CaixaDeTexto 9">
@@ -16715,8 +19537,8 @@
             </p:sp>
           </mc:Fallback>
         </mc:AlternateContent>
-        <mc:AlternateContent xmlns:mc="http://schemas.openxmlformats.org/markup-compatibility/2006">
-          <mc:Choice xmlns:a14="http://schemas.microsoft.com/office/drawing/2010/main" Requires="a14">
+        <mc:AlternateContent xmlns:mc="http://schemas.openxmlformats.org/markup-compatibility/2006" xmlns:a14="http://schemas.microsoft.com/office/drawing/2010/main">
+          <mc:Choice Requires="a14">
             <p:sp>
               <p:nvSpPr>
                 <p:cNvPr id="11" name="CaixaDeTexto 10">
@@ -16766,7 +19588,7 @@
               </p:txBody>
             </p:sp>
           </mc:Choice>
-          <mc:Fallback>
+          <mc:Fallback xmlns="">
             <p:sp>
               <p:nvSpPr>
                 <p:cNvPr id="11" name="CaixaDeTexto 10">
@@ -16811,8 +19633,8 @@
             </p:sp>
           </mc:Fallback>
         </mc:AlternateContent>
-        <mc:AlternateContent xmlns:mc="http://schemas.openxmlformats.org/markup-compatibility/2006">
-          <mc:Choice xmlns:a14="http://schemas.microsoft.com/office/drawing/2010/main" Requires="a14">
+        <mc:AlternateContent xmlns:mc="http://schemas.openxmlformats.org/markup-compatibility/2006" xmlns:a14="http://schemas.microsoft.com/office/drawing/2010/main">
+          <mc:Choice Requires="a14">
             <p:sp>
               <p:nvSpPr>
                 <p:cNvPr id="12" name="CaixaDeTexto 11">
@@ -16862,7 +19684,7 @@
               </p:txBody>
             </p:sp>
           </mc:Choice>
-          <mc:Fallback>
+          <mc:Fallback xmlns="">
             <p:sp>
               <p:nvSpPr>
                 <p:cNvPr id="12" name="CaixaDeTexto 11">
@@ -16907,8 +19729,8 @@
             </p:sp>
           </mc:Fallback>
         </mc:AlternateContent>
-        <mc:AlternateContent xmlns:mc="http://schemas.openxmlformats.org/markup-compatibility/2006">
-          <mc:Choice xmlns:a14="http://schemas.microsoft.com/office/drawing/2010/main" Requires="a14">
+        <mc:AlternateContent xmlns:mc="http://schemas.openxmlformats.org/markup-compatibility/2006" xmlns:a14="http://schemas.microsoft.com/office/drawing/2010/main">
+          <mc:Choice Requires="a14">
             <p:sp>
               <p:nvSpPr>
                 <p:cNvPr id="13" name="CaixaDeTexto 12">
@@ -16958,7 +19780,7 @@
               </p:txBody>
             </p:sp>
           </mc:Choice>
-          <mc:Fallback>
+          <mc:Fallback xmlns="">
             <p:sp>
               <p:nvSpPr>
                 <p:cNvPr id="13" name="CaixaDeTexto 12">
@@ -17003,8 +19825,8 @@
             </p:sp>
           </mc:Fallback>
         </mc:AlternateContent>
-        <mc:AlternateContent xmlns:mc="http://schemas.openxmlformats.org/markup-compatibility/2006">
-          <mc:Choice xmlns:a14="http://schemas.microsoft.com/office/drawing/2010/main" Requires="a14">
+        <mc:AlternateContent xmlns:mc="http://schemas.openxmlformats.org/markup-compatibility/2006" xmlns:a14="http://schemas.microsoft.com/office/drawing/2010/main">
+          <mc:Choice Requires="a14">
             <p:sp>
               <p:nvSpPr>
                 <p:cNvPr id="14" name="CaixaDeTexto 13">
@@ -17054,7 +19876,7 @@
               </p:txBody>
             </p:sp>
           </mc:Choice>
-          <mc:Fallback>
+          <mc:Fallback xmlns="">
             <p:sp>
               <p:nvSpPr>
                 <p:cNvPr id="14" name="CaixaDeTexto 13">
@@ -17326,8 +20148,8 @@
             </a:extLst>
           </p:spPr>
         </p:pic>
-        <mc:AlternateContent xmlns:mc="http://schemas.openxmlformats.org/markup-compatibility/2006">
-          <mc:Choice xmlns:a14="http://schemas.microsoft.com/office/drawing/2010/main" Requires="a14">
+        <mc:AlternateContent xmlns:mc="http://schemas.openxmlformats.org/markup-compatibility/2006" xmlns:a14="http://schemas.microsoft.com/office/drawing/2010/main">
+          <mc:Choice Requires="a14">
             <p:sp>
               <p:nvSpPr>
                 <p:cNvPr id="7" name="CaixaDeTexto 6">
@@ -17396,7 +20218,7 @@
               </p:txBody>
             </p:sp>
           </mc:Choice>
-          <mc:Fallback>
+          <mc:Fallback xmlns="">
             <p:sp>
               <p:nvSpPr>
                 <p:cNvPr id="7" name="CaixaDeTexto 6">
@@ -17441,8 +20263,8 @@
             </p:sp>
           </mc:Fallback>
         </mc:AlternateContent>
-        <mc:AlternateContent xmlns:mc="http://schemas.openxmlformats.org/markup-compatibility/2006">
-          <mc:Choice xmlns:a14="http://schemas.microsoft.com/office/drawing/2010/main" Requires="a14">
+        <mc:AlternateContent xmlns:mc="http://schemas.openxmlformats.org/markup-compatibility/2006" xmlns:a14="http://schemas.microsoft.com/office/drawing/2010/main">
+          <mc:Choice Requires="a14">
             <p:sp>
               <p:nvSpPr>
                 <p:cNvPr id="8" name="CaixaDeTexto 7">
@@ -17511,7 +20333,7 @@
               </p:txBody>
             </p:sp>
           </mc:Choice>
-          <mc:Fallback>
+          <mc:Fallback xmlns="">
             <p:sp>
               <p:nvSpPr>
                 <p:cNvPr id="8" name="CaixaDeTexto 7">
@@ -17556,8 +20378,8 @@
             </p:sp>
           </mc:Fallback>
         </mc:AlternateContent>
-        <mc:AlternateContent xmlns:mc="http://schemas.openxmlformats.org/markup-compatibility/2006">
-          <mc:Choice xmlns:a14="http://schemas.microsoft.com/office/drawing/2010/main" Requires="a14">
+        <mc:AlternateContent xmlns:mc="http://schemas.openxmlformats.org/markup-compatibility/2006" xmlns:a14="http://schemas.microsoft.com/office/drawing/2010/main">
+          <mc:Choice Requires="a14">
             <p:sp>
               <p:nvSpPr>
                 <p:cNvPr id="9" name="CaixaDeTexto 8">
@@ -17626,7 +20448,7 @@
               </p:txBody>
             </p:sp>
           </mc:Choice>
-          <mc:Fallback>
+          <mc:Fallback xmlns="">
             <p:sp>
               <p:nvSpPr>
                 <p:cNvPr id="9" name="CaixaDeTexto 8">
@@ -17671,8 +20493,8 @@
             </p:sp>
           </mc:Fallback>
         </mc:AlternateContent>
-        <mc:AlternateContent xmlns:mc="http://schemas.openxmlformats.org/markup-compatibility/2006">
-          <mc:Choice xmlns:a14="http://schemas.microsoft.com/office/drawing/2010/main" Requires="a14">
+        <mc:AlternateContent xmlns:mc="http://schemas.openxmlformats.org/markup-compatibility/2006" xmlns:a14="http://schemas.microsoft.com/office/drawing/2010/main">
+          <mc:Choice Requires="a14">
             <p:sp>
               <p:nvSpPr>
                 <p:cNvPr id="10" name="CaixaDeTexto 9">
@@ -17741,7 +20563,7 @@
               </p:txBody>
             </p:sp>
           </mc:Choice>
-          <mc:Fallback>
+          <mc:Fallback xmlns="">
             <p:sp>
               <p:nvSpPr>
                 <p:cNvPr id="10" name="CaixaDeTexto 9">
@@ -17786,8 +20608,8 @@
             </p:sp>
           </mc:Fallback>
         </mc:AlternateContent>
-        <mc:AlternateContent xmlns:mc="http://schemas.openxmlformats.org/markup-compatibility/2006">
-          <mc:Choice xmlns:a14="http://schemas.microsoft.com/office/drawing/2010/main" Requires="a14">
+        <mc:AlternateContent xmlns:mc="http://schemas.openxmlformats.org/markup-compatibility/2006" xmlns:a14="http://schemas.microsoft.com/office/drawing/2010/main">
+          <mc:Choice Requires="a14">
             <p:sp>
               <p:nvSpPr>
                 <p:cNvPr id="11" name="CaixaDeTexto 10">
@@ -17856,7 +20678,7 @@
               </p:txBody>
             </p:sp>
           </mc:Choice>
-          <mc:Fallback>
+          <mc:Fallback xmlns="">
             <p:sp>
               <p:nvSpPr>
                 <p:cNvPr id="11" name="CaixaDeTexto 10">
@@ -17901,8 +20723,8 @@
             </p:sp>
           </mc:Fallback>
         </mc:AlternateContent>
-        <mc:AlternateContent xmlns:mc="http://schemas.openxmlformats.org/markup-compatibility/2006">
-          <mc:Choice xmlns:a14="http://schemas.microsoft.com/office/drawing/2010/main" Requires="a14">
+        <mc:AlternateContent xmlns:mc="http://schemas.openxmlformats.org/markup-compatibility/2006" xmlns:a14="http://schemas.microsoft.com/office/drawing/2010/main">
+          <mc:Choice Requires="a14">
             <p:sp>
               <p:nvSpPr>
                 <p:cNvPr id="12" name="CaixaDeTexto 11">
@@ -17971,7 +20793,7 @@
               </p:txBody>
             </p:sp>
           </mc:Choice>
-          <mc:Fallback>
+          <mc:Fallback xmlns="">
             <p:sp>
               <p:nvSpPr>
                 <p:cNvPr id="12" name="CaixaDeTexto 11">
@@ -18016,8 +20838,8 @@
             </p:sp>
           </mc:Fallback>
         </mc:AlternateContent>
-        <mc:AlternateContent xmlns:mc="http://schemas.openxmlformats.org/markup-compatibility/2006">
-          <mc:Choice xmlns:a14="http://schemas.microsoft.com/office/drawing/2010/main" Requires="a14">
+        <mc:AlternateContent xmlns:mc="http://schemas.openxmlformats.org/markup-compatibility/2006" xmlns:a14="http://schemas.microsoft.com/office/drawing/2010/main">
+          <mc:Choice Requires="a14">
             <p:sp>
               <p:nvSpPr>
                 <p:cNvPr id="13" name="CaixaDeTexto 12">
@@ -18067,7 +20889,7 @@
               </p:txBody>
             </p:sp>
           </mc:Choice>
-          <mc:Fallback>
+          <mc:Fallback xmlns="">
             <p:sp>
               <p:nvSpPr>
                 <p:cNvPr id="13" name="CaixaDeTexto 12">
@@ -18112,8 +20934,8 @@
             </p:sp>
           </mc:Fallback>
         </mc:AlternateContent>
-        <mc:AlternateContent xmlns:mc="http://schemas.openxmlformats.org/markup-compatibility/2006">
-          <mc:Choice xmlns:a14="http://schemas.microsoft.com/office/drawing/2010/main" Requires="a14">
+        <mc:AlternateContent xmlns:mc="http://schemas.openxmlformats.org/markup-compatibility/2006" xmlns:a14="http://schemas.microsoft.com/office/drawing/2010/main">
+          <mc:Choice Requires="a14">
             <p:sp>
               <p:nvSpPr>
                 <p:cNvPr id="14" name="CaixaDeTexto 13">
@@ -18163,7 +20985,7 @@
               </p:txBody>
             </p:sp>
           </mc:Choice>
-          <mc:Fallback>
+          <mc:Fallback xmlns="">
             <p:sp>
               <p:nvSpPr>
                 <p:cNvPr id="14" name="CaixaDeTexto 13">
@@ -18208,8 +21030,8 @@
             </p:sp>
           </mc:Fallback>
         </mc:AlternateContent>
-        <mc:AlternateContent xmlns:mc="http://schemas.openxmlformats.org/markup-compatibility/2006">
-          <mc:Choice xmlns:a14="http://schemas.microsoft.com/office/drawing/2010/main" Requires="a14">
+        <mc:AlternateContent xmlns:mc="http://schemas.openxmlformats.org/markup-compatibility/2006" xmlns:a14="http://schemas.microsoft.com/office/drawing/2010/main">
+          <mc:Choice Requires="a14">
             <p:sp>
               <p:nvSpPr>
                 <p:cNvPr id="15" name="CaixaDeTexto 14">
@@ -18259,7 +21081,7 @@
               </p:txBody>
             </p:sp>
           </mc:Choice>
-          <mc:Fallback>
+          <mc:Fallback xmlns="">
             <p:sp>
               <p:nvSpPr>
                 <p:cNvPr id="15" name="CaixaDeTexto 14">
@@ -18304,8 +21126,8 @@
             </p:sp>
           </mc:Fallback>
         </mc:AlternateContent>
-        <mc:AlternateContent xmlns:mc="http://schemas.openxmlformats.org/markup-compatibility/2006">
-          <mc:Choice xmlns:a14="http://schemas.microsoft.com/office/drawing/2010/main" Requires="a14">
+        <mc:AlternateContent xmlns:mc="http://schemas.openxmlformats.org/markup-compatibility/2006" xmlns:a14="http://schemas.microsoft.com/office/drawing/2010/main">
+          <mc:Choice Requires="a14">
             <p:sp>
               <p:nvSpPr>
                 <p:cNvPr id="16" name="CaixaDeTexto 15">
@@ -18355,7 +21177,7 @@
               </p:txBody>
             </p:sp>
           </mc:Choice>
-          <mc:Fallback>
+          <mc:Fallback xmlns="">
             <p:sp>
               <p:nvSpPr>
                 <p:cNvPr id="16" name="CaixaDeTexto 15">
@@ -18683,8 +21505,8 @@
           </a:p>
         </p:txBody>
       </p:sp>
-      <mc:AlternateContent xmlns:mc="http://schemas.openxmlformats.org/markup-compatibility/2006">
-        <mc:Choice xmlns:a14="http://schemas.microsoft.com/office/drawing/2010/main" Requires="a14">
+      <mc:AlternateContent xmlns:mc="http://schemas.openxmlformats.org/markup-compatibility/2006" xmlns:a14="http://schemas.microsoft.com/office/drawing/2010/main">
+        <mc:Choice Requires="a14">
           <p:sp>
             <p:nvSpPr>
               <p:cNvPr id="3" name="Espaço Reservado para Conteúdo 2">
@@ -18927,7 +21749,7 @@
             </p:txBody>
           </p:sp>
         </mc:Choice>
-        <mc:Fallback>
+        <mc:Fallback xmlns="">
           <p:sp>
             <p:nvSpPr>
               <p:cNvPr id="3" name="Espaço Reservado para Conteúdo 2">
